--- a/Presentations/Library All Staff 2016 09/allstaff201609.pptx
+++ b/Presentations/Library All Staff 2016 09/allstaff201609.pptx
@@ -114,12 +114,12 @@
   <p:extLst>
     <p:ext uri="{EFAFB233-063F-42B5-8137-9DF3F51BA10A}">
       <p15:sldGuideLst xmlns:p15="http://schemas.microsoft.com/office/powerpoint/2012/main">
-        <p15:guide id="1" orient="horz" pos="2832" userDrawn="1">
+        <p15:guide id="1" orient="horz" pos="2160" userDrawn="1">
           <p15:clr>
             <a:srgbClr val="A4A3A4"/>
           </p15:clr>
         </p15:guide>
-        <p15:guide id="2" pos="2880" userDrawn="1">
+        <p15:guide id="2" pos="384" userDrawn="1">
           <p15:clr>
             <a:srgbClr val="A4A3A4"/>
           </p15:clr>
@@ -538,6 +538,43 @@
           <a:bodyPr/>
           <a:lstStyle/>
           <a:p>
+            <a:r>
+              <a:rPr lang="en-US" sz="1200" b="1" kern="1200" dirty="0" smtClean="0">
+                <a:solidFill>
+                  <a:schemeClr val="tx1"/>
+                </a:solidFill>
+                <a:effectLst/>
+                <a:latin typeface="+mn-lt"/>
+                <a:ea typeface="+mn-ea"/>
+                <a:cs typeface="+mn-cs"/>
+              </a:rPr>
+              <a:t>What we're going to do</a:t>
+            </a:r>
+            <a:r>
+              <a:rPr lang="en-US" sz="1200" kern="1200" dirty="0" smtClean="0">
+                <a:solidFill>
+                  <a:schemeClr val="tx1"/>
+                </a:solidFill>
+                <a:effectLst/>
+                <a:latin typeface="+mn-lt"/>
+                <a:ea typeface="+mn-ea"/>
+                <a:cs typeface="+mn-cs"/>
+              </a:rPr>
+              <a:t>: We're going to give an update on a few DSG projects building websites using DRS content. I'm going to talk about the projects themselves, then Eli's going to walk us through some of our newer features.</a:t>
+            </a:r>
+          </a:p>
+          <a:p>
+            <a:endParaRPr lang="en-US" sz="1200" kern="1200" dirty="0" smtClean="0">
+              <a:solidFill>
+                <a:schemeClr val="tx1"/>
+              </a:solidFill>
+              <a:effectLst/>
+              <a:latin typeface="+mn-lt"/>
+              <a:ea typeface="+mn-ea"/>
+              <a:cs typeface="+mn-cs"/>
+            </a:endParaRPr>
+          </a:p>
+          <a:p>
             <a:endParaRPr lang="en-US" dirty="0"/>
           </a:p>
         </p:txBody>
@@ -622,6 +659,103 @@
           <a:bodyPr/>
           <a:lstStyle/>
           <a:p>
+            <a:r>
+              <a:rPr lang="en-US" sz="1200" b="1" kern="1200" dirty="0" smtClean="0">
+                <a:solidFill>
+                  <a:schemeClr val="tx1"/>
+                </a:solidFill>
+                <a:effectLst/>
+                <a:latin typeface="+mn-lt"/>
+                <a:ea typeface="+mn-ea"/>
+                <a:cs typeface="+mn-cs"/>
+              </a:rPr>
+              <a:t>Name change</a:t>
+            </a:r>
+            <a:r>
+              <a:rPr lang="en-US" sz="1200" kern="1200" dirty="0" smtClean="0">
+                <a:solidFill>
+                  <a:schemeClr val="tx1"/>
+                </a:solidFill>
+                <a:effectLst/>
+                <a:latin typeface="+mn-lt"/>
+                <a:ea typeface="+mn-ea"/>
+                <a:cs typeface="+mn-cs"/>
+              </a:rPr>
+              <a:t>: Now CERES exhibit toolkit, still call it "The Toolkit"</a:t>
+            </a:r>
+          </a:p>
+          <a:p>
+            <a:endParaRPr lang="en-US" sz="1200" kern="1200" dirty="0" smtClean="0">
+              <a:solidFill>
+                <a:schemeClr val="tx1"/>
+              </a:solidFill>
+              <a:effectLst/>
+              <a:latin typeface="+mn-lt"/>
+              <a:ea typeface="+mn-ea"/>
+              <a:cs typeface="+mn-cs"/>
+            </a:endParaRPr>
+          </a:p>
+          <a:p>
+            <a:r>
+              <a:rPr lang="en-US" sz="1200" b="1" kern="1200" dirty="0" smtClean="0">
+                <a:solidFill>
+                  <a:schemeClr val="tx1"/>
+                </a:solidFill>
+                <a:effectLst/>
+                <a:latin typeface="+mn-lt"/>
+                <a:ea typeface="+mn-ea"/>
+                <a:cs typeface="+mn-cs"/>
+              </a:rPr>
+              <a:t>What is CERES?</a:t>
+            </a:r>
+            <a:r>
+              <a:rPr lang="en-US" sz="1200" kern="1200" dirty="0" smtClean="0">
+                <a:solidFill>
+                  <a:schemeClr val="tx1"/>
+                </a:solidFill>
+                <a:effectLst/>
+                <a:latin typeface="+mn-lt"/>
+                <a:ea typeface="+mn-ea"/>
+                <a:cs typeface="+mn-cs"/>
+              </a:rPr>
+              <a:t>: One</a:t>
+            </a:r>
+            <a:r>
+              <a:rPr lang="en-US" sz="1200" kern="1200" baseline="0" dirty="0" smtClean="0">
+                <a:solidFill>
+                  <a:schemeClr val="tx1"/>
+                </a:solidFill>
+                <a:effectLst/>
+                <a:latin typeface="+mn-lt"/>
+                <a:ea typeface="+mn-ea"/>
+                <a:cs typeface="+mn-cs"/>
+              </a:rPr>
+              <a:t> name to describe all the pieces of the r</a:t>
+            </a:r>
+            <a:r>
+              <a:rPr lang="en-US" sz="1200" kern="1200" dirty="0" smtClean="0">
+                <a:solidFill>
+                  <a:schemeClr val="tx1"/>
+                </a:solidFill>
+                <a:effectLst/>
+                <a:latin typeface="+mn-lt"/>
+                <a:ea typeface="+mn-ea"/>
+                <a:cs typeface="+mn-cs"/>
+              </a:rPr>
+              <a:t>epository infrastructure that supports digital scholarship</a:t>
+            </a:r>
+            <a:r>
+              <a:rPr lang="en-US" sz="1200" kern="1200" baseline="0" dirty="0" smtClean="0">
+                <a:solidFill>
+                  <a:schemeClr val="tx1"/>
+                </a:solidFill>
+                <a:effectLst/>
+                <a:latin typeface="+mn-lt"/>
+                <a:ea typeface="+mn-ea"/>
+                <a:cs typeface="+mn-cs"/>
+              </a:rPr>
+              <a:t> and engagement with repository content</a:t>
+            </a:r>
             <a:endParaRPr lang="en-US" dirty="0"/>
           </a:p>
         </p:txBody>
@@ -653,6 +787,713 @@
     <p:extLst>
       <p:ext uri="{BB962C8B-B14F-4D97-AF65-F5344CB8AC3E}">
         <p14:creationId xmlns:p14="http://schemas.microsoft.com/office/powerpoint/2010/main" val="183585833"/>
+      </p:ext>
+    </p:extLst>
+  </p:cSld>
+  <p:clrMapOvr>
+    <a:masterClrMapping/>
+  </p:clrMapOvr>
+</p:notes>
+</file>
+
+<file path=ppt/notesSlides/notesSlide3.xml><?xml version="1.0" encoding="utf-8"?>
+<p:notes xmlns:a="http://schemas.openxmlformats.org/drawingml/2006/main" xmlns:r="http://schemas.openxmlformats.org/officeDocument/2006/relationships" xmlns:p="http://schemas.openxmlformats.org/presentationml/2006/main">
+  <p:cSld>
+    <p:spTree>
+      <p:nvGrpSpPr>
+        <p:cNvPr id="1" name=""/>
+        <p:cNvGrpSpPr/>
+        <p:nvPr/>
+      </p:nvGrpSpPr>
+      <p:grpSpPr>
+        <a:xfrm>
+          <a:off x="0" y="0"/>
+          <a:ext cx="0" cy="0"/>
+          <a:chOff x="0" y="0"/>
+          <a:chExt cx="0" cy="0"/>
+        </a:xfrm>
+      </p:grpSpPr>
+      <p:sp>
+        <p:nvSpPr>
+          <p:cNvPr id="2" name="Slide Image Placeholder 1"/>
+          <p:cNvSpPr>
+            <a:spLocks noGrp="1" noRot="1" noChangeAspect="1"/>
+          </p:cNvSpPr>
+          <p:nvPr>
+            <p:ph type="sldImg"/>
+          </p:nvPr>
+        </p:nvSpPr>
+        <p:spPr/>
+      </p:sp>
+      <p:sp>
+        <p:nvSpPr>
+          <p:cNvPr id="3" name="Notes Placeholder 2"/>
+          <p:cNvSpPr>
+            <a:spLocks noGrp="1"/>
+          </p:cNvSpPr>
+          <p:nvPr>
+            <p:ph type="body" idx="1"/>
+          </p:nvPr>
+        </p:nvSpPr>
+        <p:spPr/>
+        <p:txBody>
+          <a:bodyPr/>
+          <a:lstStyle/>
+          <a:p>
+            <a:r>
+              <a:rPr lang="en-US" sz="1200" b="1" kern="1200" dirty="0" smtClean="0">
+                <a:solidFill>
+                  <a:schemeClr val="tx1"/>
+                </a:solidFill>
+                <a:effectLst/>
+                <a:latin typeface="+mn-lt"/>
+                <a:ea typeface="+mn-ea"/>
+                <a:cs typeface="+mn-cs"/>
+              </a:rPr>
+              <a:t>What is the Toolkit?</a:t>
+            </a:r>
+            <a:r>
+              <a:rPr lang="en-US" sz="1200" kern="1200" dirty="0" smtClean="0">
+                <a:solidFill>
+                  <a:schemeClr val="tx1"/>
+                </a:solidFill>
+                <a:effectLst/>
+                <a:latin typeface="+mn-lt"/>
+                <a:ea typeface="+mn-ea"/>
+                <a:cs typeface="+mn-cs"/>
+              </a:rPr>
+              <a:t>: A way to enable projects to store materials in the DRS and customize how people interact with those materials by creating various exhibits, like maps, timelines, and galleries.</a:t>
+            </a:r>
+          </a:p>
+          <a:p>
+            <a:endParaRPr lang="en-US" sz="1200" kern="1200" dirty="0" smtClean="0">
+              <a:solidFill>
+                <a:schemeClr val="tx1"/>
+              </a:solidFill>
+              <a:effectLst/>
+              <a:latin typeface="+mn-lt"/>
+              <a:ea typeface="+mn-ea"/>
+              <a:cs typeface="+mn-cs"/>
+            </a:endParaRPr>
+          </a:p>
+          <a:p>
+            <a:r>
+              <a:rPr lang="en-US" sz="1200" b="1" kern="1200" dirty="0" smtClean="0">
+                <a:solidFill>
+                  <a:schemeClr val="tx1"/>
+                </a:solidFill>
+                <a:effectLst/>
+                <a:latin typeface="+mn-lt"/>
+                <a:ea typeface="+mn-ea"/>
+                <a:cs typeface="+mn-cs"/>
+              </a:rPr>
+              <a:t>Call for Proposals</a:t>
+            </a:r>
+            <a:r>
+              <a:rPr lang="en-US" sz="1200" kern="1200" dirty="0" smtClean="0">
+                <a:solidFill>
+                  <a:schemeClr val="tx1"/>
+                </a:solidFill>
+                <a:effectLst/>
+                <a:latin typeface="+mn-lt"/>
+                <a:ea typeface="+mn-ea"/>
+                <a:cs typeface="+mn-cs"/>
+              </a:rPr>
+              <a:t>: For the last two years we've put out a call for proposals in late winter to solicit new projects interested in building a site for their digital materials. This process allows us to reach out to projects and groups who we may not typically interact with, and it also allows us to solicit new tool ideas. When reviewing projects who've submitted a CFP, we tend to select them based on whether or not their project would generate new tools or allow us to enhance existing</a:t>
+            </a:r>
+            <a:r>
+              <a:rPr lang="en-US" sz="1200" kern="1200" baseline="0" dirty="0" smtClean="0">
+                <a:solidFill>
+                  <a:schemeClr val="tx1"/>
+                </a:solidFill>
+                <a:effectLst/>
+                <a:latin typeface="+mn-lt"/>
+                <a:ea typeface="+mn-ea"/>
+                <a:cs typeface="+mn-cs"/>
+              </a:rPr>
+              <a:t> tools</a:t>
+            </a:r>
+            <a:endParaRPr lang="en-US" dirty="0"/>
+          </a:p>
+        </p:txBody>
+      </p:sp>
+      <p:sp>
+        <p:nvSpPr>
+          <p:cNvPr id="4" name="Slide Number Placeholder 3"/>
+          <p:cNvSpPr>
+            <a:spLocks noGrp="1"/>
+          </p:cNvSpPr>
+          <p:nvPr>
+            <p:ph type="sldNum" sz="quarter" idx="10"/>
+          </p:nvPr>
+        </p:nvSpPr>
+        <p:spPr/>
+        <p:txBody>
+          <a:bodyPr/>
+          <a:lstStyle/>
+          <a:p>
+            <a:fld id="{AA827EB0-AEEB-C744-BAD0-812E2F8A9F84}" type="slidenum">
+              <a:rPr lang="en-US" smtClean="0"/>
+              <a:t>3</a:t>
+            </a:fld>
+            <a:endParaRPr lang="en-US"/>
+          </a:p>
+        </p:txBody>
+      </p:sp>
+    </p:spTree>
+    <p:extLst>
+      <p:ext uri="{BB962C8B-B14F-4D97-AF65-F5344CB8AC3E}">
+        <p14:creationId xmlns:p14="http://schemas.microsoft.com/office/powerpoint/2010/main" val="1241423397"/>
+      </p:ext>
+    </p:extLst>
+  </p:cSld>
+  <p:clrMapOvr>
+    <a:masterClrMapping/>
+  </p:clrMapOvr>
+</p:notes>
+</file>
+
+<file path=ppt/notesSlides/notesSlide4.xml><?xml version="1.0" encoding="utf-8"?>
+<p:notes xmlns:a="http://schemas.openxmlformats.org/drawingml/2006/main" xmlns:r="http://schemas.openxmlformats.org/officeDocument/2006/relationships" xmlns:p="http://schemas.openxmlformats.org/presentationml/2006/main">
+  <p:cSld>
+    <p:spTree>
+      <p:nvGrpSpPr>
+        <p:cNvPr id="1" name=""/>
+        <p:cNvGrpSpPr/>
+        <p:nvPr/>
+      </p:nvGrpSpPr>
+      <p:grpSpPr>
+        <a:xfrm>
+          <a:off x="0" y="0"/>
+          <a:ext cx="0" cy="0"/>
+          <a:chOff x="0" y="0"/>
+          <a:chExt cx="0" cy="0"/>
+        </a:xfrm>
+      </p:grpSpPr>
+      <p:sp>
+        <p:nvSpPr>
+          <p:cNvPr id="2" name="Slide Image Placeholder 1"/>
+          <p:cNvSpPr>
+            <a:spLocks noGrp="1" noRot="1" noChangeAspect="1"/>
+          </p:cNvSpPr>
+          <p:nvPr>
+            <p:ph type="sldImg"/>
+          </p:nvPr>
+        </p:nvSpPr>
+        <p:spPr/>
+      </p:sp>
+      <p:sp>
+        <p:nvSpPr>
+          <p:cNvPr id="3" name="Notes Placeholder 2"/>
+          <p:cNvSpPr>
+            <a:spLocks noGrp="1"/>
+          </p:cNvSpPr>
+          <p:nvPr>
+            <p:ph type="body" idx="1"/>
+          </p:nvPr>
+        </p:nvSpPr>
+        <p:spPr/>
+        <p:txBody>
+          <a:bodyPr/>
+          <a:lstStyle/>
+          <a:p>
+            <a:r>
+              <a:rPr lang="en-US" sz="1200" kern="1200" dirty="0" smtClean="0">
+                <a:solidFill>
+                  <a:schemeClr val="tx1"/>
+                </a:solidFill>
+                <a:effectLst/>
+                <a:latin typeface="+mn-lt"/>
+                <a:ea typeface="+mn-ea"/>
+                <a:cs typeface="+mn-cs"/>
+              </a:rPr>
+              <a:t>African American Institute Archives</a:t>
+            </a:r>
+          </a:p>
+          <a:p>
+            <a:r>
+              <a:rPr lang="en-US" sz="1200" kern="1200" dirty="0" smtClean="0">
+                <a:solidFill>
+                  <a:schemeClr val="tx1"/>
+                </a:solidFill>
+                <a:effectLst/>
+                <a:latin typeface="+mn-lt"/>
+                <a:ea typeface="+mn-ea"/>
+                <a:cs typeface="+mn-cs"/>
+              </a:rPr>
+              <a:t>Dragon Prayer Book</a:t>
+            </a:r>
+          </a:p>
+          <a:p>
+            <a:r>
+              <a:rPr lang="en-US" sz="1200" kern="1200" dirty="0" smtClean="0">
+                <a:solidFill>
+                  <a:schemeClr val="tx1"/>
+                </a:solidFill>
+                <a:effectLst/>
+                <a:latin typeface="+mn-lt"/>
+                <a:ea typeface="+mn-ea"/>
+                <a:cs typeface="+mn-cs"/>
+              </a:rPr>
+              <a:t>Civil Rights and Restorative Justice Project</a:t>
+            </a:r>
+          </a:p>
+          <a:p>
+            <a:r>
+              <a:rPr lang="en-US" sz="1200" kern="1200" dirty="0" smtClean="0">
+                <a:solidFill>
+                  <a:schemeClr val="tx1"/>
+                </a:solidFill>
+                <a:effectLst/>
+                <a:latin typeface="+mn-lt"/>
+                <a:ea typeface="+mn-ea"/>
+                <a:cs typeface="+mn-cs"/>
+              </a:rPr>
+              <a:t>Early Black Boston Digital Almanac</a:t>
+            </a:r>
+          </a:p>
+          <a:p>
+            <a:r>
+              <a:rPr lang="en-US" sz="1200" kern="1200" dirty="0" smtClean="0">
+                <a:solidFill>
+                  <a:schemeClr val="tx1"/>
+                </a:solidFill>
+                <a:effectLst/>
+                <a:latin typeface="+mn-lt"/>
+                <a:ea typeface="+mn-ea"/>
+                <a:cs typeface="+mn-cs"/>
+              </a:rPr>
+              <a:t>Early Caribbean Digital Archive</a:t>
+            </a:r>
+          </a:p>
+          <a:p>
+            <a:r>
+              <a:rPr lang="en-US" sz="1200" kern="1200" dirty="0" smtClean="0">
+                <a:solidFill>
+                  <a:schemeClr val="tx1"/>
+                </a:solidFill>
+                <a:effectLst/>
+                <a:latin typeface="+mn-lt"/>
+                <a:ea typeface="+mn-ea"/>
+                <a:cs typeface="+mn-cs"/>
+              </a:rPr>
+              <a:t>Henry David Thoreau Journal Drawings</a:t>
+            </a:r>
+          </a:p>
+          <a:p>
+            <a:r>
+              <a:rPr lang="en-US" sz="1200" kern="1200" dirty="0" smtClean="0">
+                <a:solidFill>
+                  <a:schemeClr val="tx1"/>
+                </a:solidFill>
+                <a:effectLst/>
+                <a:latin typeface="+mn-lt"/>
+                <a:ea typeface="+mn-ea"/>
+                <a:cs typeface="+mn-cs"/>
+              </a:rPr>
+              <a:t>Spectrum Archive</a:t>
+            </a:r>
+          </a:p>
+          <a:p>
+            <a:r>
+              <a:rPr lang="en-US" sz="1200" kern="1200" dirty="0" smtClean="0">
+                <a:solidFill>
+                  <a:schemeClr val="tx1"/>
+                </a:solidFill>
+                <a:effectLst/>
+                <a:latin typeface="+mn-lt"/>
+                <a:ea typeface="+mn-ea"/>
+                <a:cs typeface="+mn-cs"/>
+              </a:rPr>
+              <a:t/>
+            </a:r>
+            <a:br>
+              <a:rPr lang="en-US" sz="1200" kern="1200" dirty="0" smtClean="0">
+                <a:solidFill>
+                  <a:schemeClr val="tx1"/>
+                </a:solidFill>
+                <a:effectLst/>
+                <a:latin typeface="+mn-lt"/>
+                <a:ea typeface="+mn-ea"/>
+                <a:cs typeface="+mn-cs"/>
+              </a:rPr>
+            </a:br>
+            <a:endParaRPr lang="en-US" sz="1200" kern="1200" dirty="0" smtClean="0">
+              <a:solidFill>
+                <a:schemeClr val="tx1"/>
+              </a:solidFill>
+              <a:effectLst/>
+              <a:latin typeface="+mn-lt"/>
+              <a:ea typeface="+mn-ea"/>
+              <a:cs typeface="+mn-cs"/>
+            </a:endParaRPr>
+          </a:p>
+          <a:p>
+            <a:r>
+              <a:rPr lang="en-US" sz="1200" b="1" kern="1200" dirty="0" smtClean="0">
+                <a:solidFill>
+                  <a:schemeClr val="tx1"/>
+                </a:solidFill>
+                <a:effectLst/>
+                <a:latin typeface="+mn-lt"/>
+                <a:ea typeface="+mn-ea"/>
+                <a:cs typeface="+mn-cs"/>
+              </a:rPr>
+              <a:t>2015</a:t>
+            </a:r>
+            <a:r>
+              <a:rPr lang="en-US" sz="1200" kern="1200" dirty="0" smtClean="0">
+                <a:solidFill>
+                  <a:schemeClr val="tx1"/>
+                </a:solidFill>
+                <a:effectLst/>
+                <a:latin typeface="+mn-lt"/>
+                <a:ea typeface="+mn-ea"/>
+                <a:cs typeface="+mn-cs"/>
+              </a:rPr>
+              <a:t> - you'll notice Catskills is listed twice because it is live, but we're adding new exhibits and pages every semester </a:t>
+            </a:r>
+          </a:p>
+          <a:p>
+            <a:r>
+              <a:rPr lang="en-US" sz="1200" kern="1200" dirty="0" smtClean="0">
+                <a:solidFill>
+                  <a:schemeClr val="tx1"/>
+                </a:solidFill>
+                <a:effectLst/>
+                <a:latin typeface="+mn-lt"/>
+                <a:ea typeface="+mn-ea"/>
+                <a:cs typeface="+mn-cs"/>
+              </a:rPr>
+              <a:t/>
+            </a:r>
+            <a:br>
+              <a:rPr lang="en-US" sz="1200" kern="1200" dirty="0" smtClean="0">
+                <a:solidFill>
+                  <a:schemeClr val="tx1"/>
+                </a:solidFill>
+                <a:effectLst/>
+                <a:latin typeface="+mn-lt"/>
+                <a:ea typeface="+mn-ea"/>
+                <a:cs typeface="+mn-cs"/>
+              </a:rPr>
+            </a:br>
+            <a:endParaRPr lang="en-US" sz="1200" kern="1200" dirty="0" smtClean="0">
+              <a:solidFill>
+                <a:schemeClr val="tx1"/>
+              </a:solidFill>
+              <a:effectLst/>
+              <a:latin typeface="+mn-lt"/>
+              <a:ea typeface="+mn-ea"/>
+              <a:cs typeface="+mn-cs"/>
+            </a:endParaRPr>
+          </a:p>
+          <a:p>
+            <a:r>
+              <a:rPr lang="en-US" sz="1200" b="1" kern="1200" dirty="0" smtClean="0">
+                <a:solidFill>
+                  <a:schemeClr val="tx1"/>
+                </a:solidFill>
+                <a:effectLst/>
+                <a:latin typeface="+mn-lt"/>
+                <a:ea typeface="+mn-ea"/>
+                <a:cs typeface="+mn-cs"/>
+              </a:rPr>
+              <a:t>Others</a:t>
+            </a:r>
+            <a:r>
+              <a:rPr lang="en-US" sz="1200" kern="1200" dirty="0" smtClean="0">
+                <a:solidFill>
+                  <a:schemeClr val="tx1"/>
+                </a:solidFill>
+                <a:effectLst/>
+                <a:latin typeface="+mn-lt"/>
+                <a:ea typeface="+mn-ea"/>
+                <a:cs typeface="+mn-cs"/>
+              </a:rPr>
+              <a:t>: These are only the projects generated by the call for proposals. There are also 5 additional sites, primarily archives sites, which we issued because they didn't require any additional technical development to produce.</a:t>
+            </a:r>
+          </a:p>
+          <a:p>
+            <a:endParaRPr lang="en-US" sz="1200" kern="1200" dirty="0" smtClean="0">
+              <a:solidFill>
+                <a:schemeClr val="tx1"/>
+              </a:solidFill>
+              <a:effectLst/>
+              <a:latin typeface="+mn-lt"/>
+              <a:ea typeface="+mn-ea"/>
+              <a:cs typeface="+mn-cs"/>
+            </a:endParaRPr>
+          </a:p>
+          <a:p>
+            <a:r>
+              <a:rPr lang="en-US" sz="1200" b="1" kern="1200" dirty="0" smtClean="0">
+                <a:solidFill>
+                  <a:schemeClr val="tx1"/>
+                </a:solidFill>
+                <a:effectLst/>
+                <a:latin typeface="+mn-lt"/>
+                <a:ea typeface="+mn-ea"/>
+                <a:cs typeface="+mn-cs"/>
+              </a:rPr>
+              <a:t>Responsibility: </a:t>
+            </a:r>
+          </a:p>
+          <a:p>
+            <a:r>
+              <a:rPr lang="en-US" sz="1200" kern="1200" dirty="0" smtClean="0">
+                <a:solidFill>
+                  <a:schemeClr val="tx1"/>
+                </a:solidFill>
+                <a:effectLst/>
+                <a:latin typeface="+mn-lt"/>
+                <a:ea typeface="+mn-ea"/>
+                <a:cs typeface="+mn-cs"/>
+              </a:rPr>
+              <a:t>Primarily responsible for customizing the site: the project team who submitted the request</a:t>
+            </a:r>
+          </a:p>
+          <a:p>
+            <a:r>
+              <a:rPr lang="en-US" sz="1200" kern="1200" dirty="0" smtClean="0">
+                <a:solidFill>
+                  <a:schemeClr val="tx1"/>
+                </a:solidFill>
+                <a:effectLst/>
+                <a:latin typeface="+mn-lt"/>
+                <a:ea typeface="+mn-ea"/>
+                <a:cs typeface="+mn-cs"/>
+              </a:rPr>
+              <a:t>DSG staff provide basic support for the project and the site, including guidance on best practices for building a website, training on the toolkit itself, </a:t>
+            </a:r>
+          </a:p>
+          <a:p>
+            <a:r>
+              <a:rPr lang="en-US" sz="1200" kern="1200" dirty="0" smtClean="0">
+                <a:solidFill>
+                  <a:schemeClr val="tx1"/>
+                </a:solidFill>
+                <a:effectLst/>
+                <a:latin typeface="+mn-lt"/>
+                <a:ea typeface="+mn-ea"/>
+                <a:cs typeface="+mn-cs"/>
+              </a:rPr>
+              <a:t>During the project setup and DRS deposit phases for each project, there's a lot of opportunity for library departments to contribute to these projects</a:t>
+            </a:r>
+          </a:p>
+          <a:p>
+            <a:pPr lvl="1"/>
+            <a:r>
+              <a:rPr lang="en-US" sz="1200" kern="1200" dirty="0" smtClean="0">
+                <a:solidFill>
+                  <a:schemeClr val="tx1"/>
+                </a:solidFill>
+                <a:effectLst/>
+                <a:latin typeface="+mn-lt"/>
+                <a:ea typeface="+mn-ea"/>
+                <a:cs typeface="+mn-cs"/>
+              </a:rPr>
+              <a:t>Copyright and IP review</a:t>
+            </a:r>
+          </a:p>
+          <a:p>
+            <a:pPr lvl="1"/>
+            <a:r>
+              <a:rPr lang="en-US" sz="1200" kern="1200" dirty="0" smtClean="0">
+                <a:solidFill>
+                  <a:schemeClr val="tx1"/>
+                </a:solidFill>
+                <a:effectLst/>
+                <a:latin typeface="+mn-lt"/>
+                <a:ea typeface="+mn-ea"/>
+                <a:cs typeface="+mn-cs"/>
+              </a:rPr>
+              <a:t>Metadata assistance </a:t>
+            </a:r>
+          </a:p>
+          <a:p>
+            <a:pPr lvl="1"/>
+            <a:r>
+              <a:rPr lang="en-US" sz="1200" kern="1200" dirty="0" smtClean="0">
+                <a:solidFill>
+                  <a:schemeClr val="tx1"/>
+                </a:solidFill>
+                <a:effectLst/>
+                <a:latin typeface="+mn-lt"/>
+                <a:ea typeface="+mn-ea"/>
+                <a:cs typeface="+mn-cs"/>
+              </a:rPr>
+              <a:t>Data management</a:t>
+            </a:r>
+          </a:p>
+          <a:p>
+            <a:pPr lvl="1"/>
+            <a:r>
+              <a:rPr lang="en-US" sz="1200" kern="1200" dirty="0" smtClean="0">
+                <a:solidFill>
+                  <a:schemeClr val="tx1"/>
+                </a:solidFill>
+                <a:effectLst/>
+                <a:latin typeface="+mn-lt"/>
+                <a:ea typeface="+mn-ea"/>
+                <a:cs typeface="+mn-cs"/>
+              </a:rPr>
+              <a:t>Transcoding for A/V files</a:t>
+            </a:r>
+          </a:p>
+          <a:p>
+            <a:pPr lvl="1"/>
+            <a:r>
+              <a:rPr lang="en-US" sz="1200" kern="1200" dirty="0" smtClean="0">
+                <a:solidFill>
+                  <a:schemeClr val="tx1"/>
+                </a:solidFill>
+                <a:effectLst/>
+                <a:latin typeface="+mn-lt"/>
+                <a:ea typeface="+mn-ea"/>
+                <a:cs typeface="+mn-cs"/>
+              </a:rPr>
+              <a:t>Research and other guidance from liaisons</a:t>
+            </a:r>
+          </a:p>
+          <a:p>
+            <a:r>
+              <a:rPr lang="en-US" sz="1200" kern="1200" dirty="0" smtClean="0">
+                <a:solidFill>
+                  <a:schemeClr val="tx1"/>
+                </a:solidFill>
+                <a:effectLst/>
+                <a:latin typeface="+mn-lt"/>
+                <a:ea typeface="+mn-ea"/>
+                <a:cs typeface="+mn-cs"/>
+              </a:rPr>
+              <a:t> </a:t>
+            </a:r>
+          </a:p>
+          <a:p>
+            <a:endParaRPr lang="en-US" dirty="0"/>
+          </a:p>
+        </p:txBody>
+      </p:sp>
+      <p:sp>
+        <p:nvSpPr>
+          <p:cNvPr id="4" name="Slide Number Placeholder 3"/>
+          <p:cNvSpPr>
+            <a:spLocks noGrp="1"/>
+          </p:cNvSpPr>
+          <p:nvPr>
+            <p:ph type="sldNum" sz="quarter" idx="10"/>
+          </p:nvPr>
+        </p:nvSpPr>
+        <p:spPr/>
+        <p:txBody>
+          <a:bodyPr/>
+          <a:lstStyle/>
+          <a:p>
+            <a:fld id="{AA827EB0-AEEB-C744-BAD0-812E2F8A9F84}" type="slidenum">
+              <a:rPr lang="en-US" smtClean="0"/>
+              <a:t>4</a:t>
+            </a:fld>
+            <a:endParaRPr lang="en-US"/>
+          </a:p>
+        </p:txBody>
+      </p:sp>
+    </p:spTree>
+    <p:extLst>
+      <p:ext uri="{BB962C8B-B14F-4D97-AF65-F5344CB8AC3E}">
+        <p14:creationId xmlns:p14="http://schemas.microsoft.com/office/powerpoint/2010/main" val="1732818638"/>
+      </p:ext>
+    </p:extLst>
+  </p:cSld>
+  <p:clrMapOvr>
+    <a:masterClrMapping/>
+  </p:clrMapOvr>
+</p:notes>
+</file>
+
+<file path=ppt/notesSlides/notesSlide5.xml><?xml version="1.0" encoding="utf-8"?>
+<p:notes xmlns:a="http://schemas.openxmlformats.org/drawingml/2006/main" xmlns:r="http://schemas.openxmlformats.org/officeDocument/2006/relationships" xmlns:p="http://schemas.openxmlformats.org/presentationml/2006/main">
+  <p:cSld>
+    <p:spTree>
+      <p:nvGrpSpPr>
+        <p:cNvPr id="1" name=""/>
+        <p:cNvGrpSpPr/>
+        <p:nvPr/>
+      </p:nvGrpSpPr>
+      <p:grpSpPr>
+        <a:xfrm>
+          <a:off x="0" y="0"/>
+          <a:ext cx="0" cy="0"/>
+          <a:chOff x="0" y="0"/>
+          <a:chExt cx="0" cy="0"/>
+        </a:xfrm>
+      </p:grpSpPr>
+      <p:sp>
+        <p:nvSpPr>
+          <p:cNvPr id="2" name="Slide Image Placeholder 1"/>
+          <p:cNvSpPr>
+            <a:spLocks noGrp="1" noRot="1" noChangeAspect="1"/>
+          </p:cNvSpPr>
+          <p:nvPr>
+            <p:ph type="sldImg"/>
+          </p:nvPr>
+        </p:nvSpPr>
+        <p:spPr/>
+      </p:sp>
+      <p:sp>
+        <p:nvSpPr>
+          <p:cNvPr id="3" name="Notes Placeholder 2"/>
+          <p:cNvSpPr>
+            <a:spLocks noGrp="1"/>
+          </p:cNvSpPr>
+          <p:nvPr>
+            <p:ph type="body" idx="1"/>
+          </p:nvPr>
+        </p:nvSpPr>
+        <p:spPr/>
+        <p:txBody>
+          <a:bodyPr/>
+          <a:lstStyle/>
+          <a:p>
+            <a:r>
+              <a:rPr lang="en-US" dirty="0" smtClean="0"/>
+              <a:t>Eli's going to talk about new</a:t>
+            </a:r>
+            <a:r>
+              <a:rPr lang="en-US" baseline="0" dirty="0" smtClean="0"/>
+              <a:t> additions to the toolkit</a:t>
+            </a:r>
+            <a:endParaRPr lang="en-US" dirty="0"/>
+          </a:p>
+        </p:txBody>
+      </p:sp>
+      <p:sp>
+        <p:nvSpPr>
+          <p:cNvPr id="4" name="Slide Number Placeholder 3"/>
+          <p:cNvSpPr>
+            <a:spLocks noGrp="1"/>
+          </p:cNvSpPr>
+          <p:nvPr>
+            <p:ph type="sldNum" sz="quarter" idx="10"/>
+          </p:nvPr>
+        </p:nvSpPr>
+        <p:spPr/>
+        <p:txBody>
+          <a:bodyPr/>
+          <a:lstStyle/>
+          <a:p>
+            <a:fld id="{AA827EB0-AEEB-C744-BAD0-812E2F8A9F84}" type="slidenum">
+              <a:rPr lang="en-US" smtClean="0"/>
+              <a:t>5</a:t>
+            </a:fld>
+            <a:endParaRPr lang="en-US"/>
+          </a:p>
+        </p:txBody>
+      </p:sp>
+    </p:spTree>
+    <p:extLst>
+      <p:ext uri="{BB962C8B-B14F-4D97-AF65-F5344CB8AC3E}">
+        <p14:creationId xmlns:p14="http://schemas.microsoft.com/office/powerpoint/2010/main" val="583146279"/>
       </p:ext>
     </p:extLst>
   </p:cSld>
@@ -4177,7 +5018,7 @@
           <p:nvPr/>
         </p:nvPicPr>
         <p:blipFill>
-          <a:blip r:embed="rId2">
+          <a:blip r:embed="rId3">
             <a:extLst>
               <a:ext uri="{28A0092B-C50C-407E-A947-70E740481C1C}">
                 <a14:useLocalDpi xmlns:a14="http://schemas.microsoft.com/office/drawing/2010/main" val="0"/>
@@ -4388,7 +5229,7 @@
           <p:nvPr/>
         </p:nvPicPr>
         <p:blipFill>
-          <a:blip r:embed="rId3">
+          <a:blip r:embed="rId4">
             <a:extLst>
               <a:ext uri="{28A0092B-C50C-407E-A947-70E740481C1C}">
                 <a14:useLocalDpi xmlns:a14="http://schemas.microsoft.com/office/drawing/2010/main" val="0"/>
@@ -4729,21 +5570,8 @@
                   <a:srgbClr val="26374B"/>
                 </a:solidFill>
               </a:rPr>
-              <a:t>DMC Studios Student Work </a:t>
-            </a:r>
-            <a:r>
-              <a:rPr lang="en-US" sz="1700" dirty="0" smtClean="0">
-                <a:solidFill>
-                  <a:srgbClr val="26374B"/>
-                </a:solidFill>
-              </a:rPr>
-              <a:t>Showcase</a:t>
-            </a:r>
-            <a:endParaRPr lang="en-US" sz="1700" dirty="0" smtClean="0">
-              <a:solidFill>
-                <a:srgbClr val="26374B"/>
-              </a:solidFill>
-            </a:endParaRPr>
+              <a:t>DMC Studios Student Work Showcase</a:t>
+            </a:r>
           </a:p>
         </p:txBody>
       </p:sp>
@@ -5074,11 +5902,6 @@
               </a:rPr>
               <a:t>Archive</a:t>
             </a:r>
-            <a:endParaRPr lang="en-US" sz="1700" dirty="0">
-              <a:solidFill>
-                <a:srgbClr val="26374B"/>
-              </a:solidFill>
-            </a:endParaRPr>
           </a:p>
         </p:txBody>
       </p:sp>
@@ -5522,40 +6345,12 @@
           <a:lstStyle/>
           <a:p>
             <a:r>
-              <a:rPr lang="en-US" dirty="0" smtClean="0"/>
+              <a:rPr lang="en-US" dirty="0" smtClean="0">
+                <a:solidFill>
+                  <a:srgbClr val="26374B"/>
+                </a:solidFill>
+              </a:rPr>
               <a:t>New Exhibit Tools in 2016</a:t>
-            </a:r>
-            <a:endParaRPr lang="en-US" dirty="0"/>
-          </a:p>
-        </p:txBody>
-      </p:sp>
-      <p:sp>
-        <p:nvSpPr>
-          <p:cNvPr id="3" name="Content Placeholder 2"/>
-          <p:cNvSpPr>
-            <a:spLocks noGrp="1"/>
-          </p:cNvSpPr>
-          <p:nvPr>
-            <p:ph idx="1"/>
-          </p:nvPr>
-        </p:nvSpPr>
-        <p:spPr>
-          <a:xfrm>
-            <a:off x="457200" y="2064224"/>
-            <a:ext cx="8229600" cy="2698845"/>
-          </a:xfrm>
-        </p:spPr>
-        <p:txBody>
-          <a:bodyPr/>
-          <a:lstStyle/>
-          <a:p>
-            <a:r>
-              <a:rPr lang="en-US" dirty="0" smtClean="0">
-                <a:solidFill>
-                  <a:srgbClr val="26374B"/>
-                </a:solidFill>
-              </a:rPr>
-              <a:t>Map</a:t>
             </a:r>
             <a:endParaRPr lang="en-US" dirty="0">
               <a:solidFill>
@@ -5563,6 +6358,27 @@
               </a:solidFill>
             </a:endParaRPr>
           </a:p>
+        </p:txBody>
+      </p:sp>
+      <p:sp>
+        <p:nvSpPr>
+          <p:cNvPr id="3" name="Content Placeholder 2"/>
+          <p:cNvSpPr>
+            <a:spLocks noGrp="1"/>
+          </p:cNvSpPr>
+          <p:nvPr>
+            <p:ph idx="1"/>
+          </p:nvPr>
+        </p:nvSpPr>
+        <p:spPr>
+          <a:xfrm>
+            <a:off x="457200" y="1920532"/>
+            <a:ext cx="8229600" cy="1959137"/>
+          </a:xfrm>
+        </p:spPr>
+        <p:txBody>
+          <a:bodyPr/>
+          <a:lstStyle/>
           <a:p>
             <a:r>
               <a:rPr lang="en-US" dirty="0" smtClean="0">
@@ -5570,7 +6386,197 @@
                   <a:srgbClr val="26374B"/>
                 </a:solidFill>
               </a:rPr>
-              <a:t>Timeline</a:t>
+              <a:t>Map Exhibit</a:t>
+            </a:r>
+          </a:p>
+          <a:p>
+            <a:r>
+              <a:rPr lang="en-US" dirty="0" smtClean="0">
+                <a:solidFill>
+                  <a:srgbClr val="26374B"/>
+                </a:solidFill>
+              </a:rPr>
+              <a:t>Timeline Exhibit</a:t>
+            </a:r>
+          </a:p>
+          <a:p>
+            <a:r>
+              <a:rPr lang="en-US" dirty="0" smtClean="0">
+                <a:solidFill>
+                  <a:srgbClr val="26374B"/>
+                </a:solidFill>
+              </a:rPr>
+              <a:t>DPLA Integration</a:t>
+            </a:r>
+          </a:p>
+        </p:txBody>
+      </p:sp>
+      <p:sp>
+        <p:nvSpPr>
+          <p:cNvPr id="7" name="Content Placeholder 2"/>
+          <p:cNvSpPr txBox="1">
+            <a:spLocks/>
+          </p:cNvSpPr>
+          <p:nvPr/>
+        </p:nvSpPr>
+        <p:spPr>
+          <a:xfrm>
+            <a:off x="470263" y="4763994"/>
+            <a:ext cx="8229600" cy="761594"/>
+          </a:xfrm>
+          <a:prstGeom prst="rect">
+            <a:avLst/>
+          </a:prstGeom>
+        </p:spPr>
+        <p:txBody>
+          <a:bodyPr vert="horz" lIns="91440" tIns="45720" rIns="91440" bIns="45720" rtlCol="0">
+            <a:normAutofit/>
+          </a:bodyPr>
+          <a:lstStyle>
+            <a:lvl1pPr marL="342900" indent="-342900" algn="l" defTabSz="457200" rtl="0" eaLnBrk="1" latinLnBrk="0" hangingPunct="1">
+              <a:spcBef>
+                <a:spcPct val="20000"/>
+              </a:spcBef>
+              <a:buFont typeface="Arial"/>
+              <a:buChar char="•"/>
+              <a:defRPr sz="3200" kern="1200">
+                <a:solidFill>
+                  <a:schemeClr val="tx1"/>
+                </a:solidFill>
+                <a:latin typeface="+mn-lt"/>
+                <a:ea typeface="+mn-ea"/>
+                <a:cs typeface="+mn-cs"/>
+              </a:defRPr>
+            </a:lvl1pPr>
+            <a:lvl2pPr marL="742950" indent="-285750" algn="l" defTabSz="457200" rtl="0" eaLnBrk="1" latinLnBrk="0" hangingPunct="1">
+              <a:spcBef>
+                <a:spcPct val="20000"/>
+              </a:spcBef>
+              <a:buFont typeface="Arial"/>
+              <a:buChar char="–"/>
+              <a:defRPr sz="2800" kern="1200">
+                <a:solidFill>
+                  <a:schemeClr val="tx1"/>
+                </a:solidFill>
+                <a:latin typeface="+mn-lt"/>
+                <a:ea typeface="+mn-ea"/>
+                <a:cs typeface="+mn-cs"/>
+              </a:defRPr>
+            </a:lvl2pPr>
+            <a:lvl3pPr marL="1143000" indent="-228600" algn="l" defTabSz="457200" rtl="0" eaLnBrk="1" latinLnBrk="0" hangingPunct="1">
+              <a:spcBef>
+                <a:spcPct val="20000"/>
+              </a:spcBef>
+              <a:buFont typeface="Arial"/>
+              <a:buChar char="•"/>
+              <a:defRPr sz="2400" kern="1200">
+                <a:solidFill>
+                  <a:schemeClr val="tx1"/>
+                </a:solidFill>
+                <a:latin typeface="+mn-lt"/>
+                <a:ea typeface="+mn-ea"/>
+                <a:cs typeface="+mn-cs"/>
+              </a:defRPr>
+            </a:lvl3pPr>
+            <a:lvl4pPr marL="1600200" indent="-228600" algn="l" defTabSz="457200" rtl="0" eaLnBrk="1" latinLnBrk="0" hangingPunct="1">
+              <a:spcBef>
+                <a:spcPct val="20000"/>
+              </a:spcBef>
+              <a:buFont typeface="Arial"/>
+              <a:buChar char="–"/>
+              <a:defRPr sz="2000" kern="1200">
+                <a:solidFill>
+                  <a:schemeClr val="tx1"/>
+                </a:solidFill>
+                <a:latin typeface="+mn-lt"/>
+                <a:ea typeface="+mn-ea"/>
+                <a:cs typeface="+mn-cs"/>
+              </a:defRPr>
+            </a:lvl4pPr>
+            <a:lvl5pPr marL="2057400" indent="-228600" algn="l" defTabSz="457200" rtl="0" eaLnBrk="1" latinLnBrk="0" hangingPunct="1">
+              <a:spcBef>
+                <a:spcPct val="20000"/>
+              </a:spcBef>
+              <a:buFont typeface="Arial"/>
+              <a:buChar char="»"/>
+              <a:defRPr sz="2000" kern="1200">
+                <a:solidFill>
+                  <a:schemeClr val="tx1"/>
+                </a:solidFill>
+                <a:latin typeface="+mn-lt"/>
+                <a:ea typeface="+mn-ea"/>
+                <a:cs typeface="+mn-cs"/>
+              </a:defRPr>
+            </a:lvl5pPr>
+            <a:lvl6pPr marL="2514600" indent="-228600" algn="l" defTabSz="457200" rtl="0" eaLnBrk="1" latinLnBrk="0" hangingPunct="1">
+              <a:spcBef>
+                <a:spcPct val="20000"/>
+              </a:spcBef>
+              <a:buFont typeface="Arial"/>
+              <a:buChar char="•"/>
+              <a:defRPr sz="2000" kern="1200">
+                <a:solidFill>
+                  <a:schemeClr val="tx1"/>
+                </a:solidFill>
+                <a:latin typeface="+mn-lt"/>
+                <a:ea typeface="+mn-ea"/>
+                <a:cs typeface="+mn-cs"/>
+              </a:defRPr>
+            </a:lvl6pPr>
+            <a:lvl7pPr marL="2971800" indent="-228600" algn="l" defTabSz="457200" rtl="0" eaLnBrk="1" latinLnBrk="0" hangingPunct="1">
+              <a:spcBef>
+                <a:spcPct val="20000"/>
+              </a:spcBef>
+              <a:buFont typeface="Arial"/>
+              <a:buChar char="•"/>
+              <a:defRPr sz="2000" kern="1200">
+                <a:solidFill>
+                  <a:schemeClr val="tx1"/>
+                </a:solidFill>
+                <a:latin typeface="+mn-lt"/>
+                <a:ea typeface="+mn-ea"/>
+                <a:cs typeface="+mn-cs"/>
+              </a:defRPr>
+            </a:lvl7pPr>
+            <a:lvl8pPr marL="3429000" indent="-228600" algn="l" defTabSz="457200" rtl="0" eaLnBrk="1" latinLnBrk="0" hangingPunct="1">
+              <a:spcBef>
+                <a:spcPct val="20000"/>
+              </a:spcBef>
+              <a:buFont typeface="Arial"/>
+              <a:buChar char="•"/>
+              <a:defRPr sz="2000" kern="1200">
+                <a:solidFill>
+                  <a:schemeClr val="tx1"/>
+                </a:solidFill>
+                <a:latin typeface="+mn-lt"/>
+                <a:ea typeface="+mn-ea"/>
+                <a:cs typeface="+mn-cs"/>
+              </a:defRPr>
+            </a:lvl8pPr>
+            <a:lvl9pPr marL="3886200" indent="-228600" algn="l" defTabSz="457200" rtl="0" eaLnBrk="1" latinLnBrk="0" hangingPunct="1">
+              <a:spcBef>
+                <a:spcPct val="20000"/>
+              </a:spcBef>
+              <a:buFont typeface="Arial"/>
+              <a:buChar char="•"/>
+              <a:defRPr sz="2000" kern="1200">
+                <a:solidFill>
+                  <a:schemeClr val="tx1"/>
+                </a:solidFill>
+                <a:latin typeface="+mn-lt"/>
+                <a:ea typeface="+mn-ea"/>
+                <a:cs typeface="+mn-cs"/>
+              </a:defRPr>
+            </a:lvl9pPr>
+          </a:lstStyle>
+          <a:p>
+            <a:r>
+              <a:rPr lang="en-US" dirty="0" smtClean="0">
+                <a:solidFill>
+                  <a:srgbClr val="26374B"/>
+                </a:solidFill>
+              </a:rPr>
+              <a:t>Enhanced image viewing (IIIF)</a:t>
             </a:r>
             <a:endParaRPr lang="en-US" dirty="0">
               <a:solidFill>
@@ -5578,34 +6584,385 @@
               </a:solidFill>
             </a:endParaRPr>
           </a:p>
-          <a:p>
-            <a:r>
-              <a:rPr lang="en-US" dirty="0">
+        </p:txBody>
+      </p:sp>
+      <p:sp>
+        <p:nvSpPr>
+          <p:cNvPr id="9" name="Content Placeholder 2"/>
+          <p:cNvSpPr txBox="1">
+            <a:spLocks/>
+          </p:cNvSpPr>
+          <p:nvPr/>
+        </p:nvSpPr>
+        <p:spPr>
+          <a:xfrm>
+            <a:off x="0" y="4028118"/>
+            <a:ext cx="9144000" cy="765948"/>
+          </a:xfrm>
+          <a:prstGeom prst="rect">
+            <a:avLst/>
+          </a:prstGeom>
+        </p:spPr>
+        <p:txBody>
+          <a:bodyPr vert="horz" lIns="91440" tIns="45720" rIns="91440" bIns="45720" rtlCol="0">
+            <a:normAutofit/>
+          </a:bodyPr>
+          <a:lstStyle>
+            <a:lvl1pPr marL="342900" indent="-342900" algn="l" defTabSz="457200" rtl="0" eaLnBrk="1" latinLnBrk="0" hangingPunct="1">
+              <a:spcBef>
+                <a:spcPct val="20000"/>
+              </a:spcBef>
+              <a:buFont typeface="Arial"/>
+              <a:buChar char="•"/>
+              <a:defRPr sz="3200" kern="1200">
+                <a:solidFill>
+                  <a:schemeClr val="tx1"/>
+                </a:solidFill>
+                <a:latin typeface="+mn-lt"/>
+                <a:ea typeface="+mn-ea"/>
+                <a:cs typeface="+mn-cs"/>
+              </a:defRPr>
+            </a:lvl1pPr>
+            <a:lvl2pPr marL="742950" indent="-285750" algn="l" defTabSz="457200" rtl="0" eaLnBrk="1" latinLnBrk="0" hangingPunct="1">
+              <a:spcBef>
+                <a:spcPct val="20000"/>
+              </a:spcBef>
+              <a:buFont typeface="Arial"/>
+              <a:buChar char="–"/>
+              <a:defRPr sz="2800" kern="1200">
+                <a:solidFill>
+                  <a:schemeClr val="tx1"/>
+                </a:solidFill>
+                <a:latin typeface="+mn-lt"/>
+                <a:ea typeface="+mn-ea"/>
+                <a:cs typeface="+mn-cs"/>
+              </a:defRPr>
+            </a:lvl2pPr>
+            <a:lvl3pPr marL="1143000" indent="-228600" algn="l" defTabSz="457200" rtl="0" eaLnBrk="1" latinLnBrk="0" hangingPunct="1">
+              <a:spcBef>
+                <a:spcPct val="20000"/>
+              </a:spcBef>
+              <a:buFont typeface="Arial"/>
+              <a:buChar char="•"/>
+              <a:defRPr sz="2400" kern="1200">
+                <a:solidFill>
+                  <a:schemeClr val="tx1"/>
+                </a:solidFill>
+                <a:latin typeface="+mn-lt"/>
+                <a:ea typeface="+mn-ea"/>
+                <a:cs typeface="+mn-cs"/>
+              </a:defRPr>
+            </a:lvl3pPr>
+            <a:lvl4pPr marL="1600200" indent="-228600" algn="l" defTabSz="457200" rtl="0" eaLnBrk="1" latinLnBrk="0" hangingPunct="1">
+              <a:spcBef>
+                <a:spcPct val="20000"/>
+              </a:spcBef>
+              <a:buFont typeface="Arial"/>
+              <a:buChar char="–"/>
+              <a:defRPr sz="2000" kern="1200">
+                <a:solidFill>
+                  <a:schemeClr val="tx1"/>
+                </a:solidFill>
+                <a:latin typeface="+mn-lt"/>
+                <a:ea typeface="+mn-ea"/>
+                <a:cs typeface="+mn-cs"/>
+              </a:defRPr>
+            </a:lvl4pPr>
+            <a:lvl5pPr marL="2057400" indent="-228600" algn="l" defTabSz="457200" rtl="0" eaLnBrk="1" latinLnBrk="0" hangingPunct="1">
+              <a:spcBef>
+                <a:spcPct val="20000"/>
+              </a:spcBef>
+              <a:buFont typeface="Arial"/>
+              <a:buChar char="»"/>
+              <a:defRPr sz="2000" kern="1200">
+                <a:solidFill>
+                  <a:schemeClr val="tx1"/>
+                </a:solidFill>
+                <a:latin typeface="+mn-lt"/>
+                <a:ea typeface="+mn-ea"/>
+                <a:cs typeface="+mn-cs"/>
+              </a:defRPr>
+            </a:lvl5pPr>
+            <a:lvl6pPr marL="2514600" indent="-228600" algn="l" defTabSz="457200" rtl="0" eaLnBrk="1" latinLnBrk="0" hangingPunct="1">
+              <a:spcBef>
+                <a:spcPct val="20000"/>
+              </a:spcBef>
+              <a:buFont typeface="Arial"/>
+              <a:buChar char="•"/>
+              <a:defRPr sz="2000" kern="1200">
+                <a:solidFill>
+                  <a:schemeClr val="tx1"/>
+                </a:solidFill>
+                <a:latin typeface="+mn-lt"/>
+                <a:ea typeface="+mn-ea"/>
+                <a:cs typeface="+mn-cs"/>
+              </a:defRPr>
+            </a:lvl6pPr>
+            <a:lvl7pPr marL="2971800" indent="-228600" algn="l" defTabSz="457200" rtl="0" eaLnBrk="1" latinLnBrk="0" hangingPunct="1">
+              <a:spcBef>
+                <a:spcPct val="20000"/>
+              </a:spcBef>
+              <a:buFont typeface="Arial"/>
+              <a:buChar char="•"/>
+              <a:defRPr sz="2000" kern="1200">
+                <a:solidFill>
+                  <a:schemeClr val="tx1"/>
+                </a:solidFill>
+                <a:latin typeface="+mn-lt"/>
+                <a:ea typeface="+mn-ea"/>
+                <a:cs typeface="+mn-cs"/>
+              </a:defRPr>
+            </a:lvl7pPr>
+            <a:lvl8pPr marL="3429000" indent="-228600" algn="l" defTabSz="457200" rtl="0" eaLnBrk="1" latinLnBrk="0" hangingPunct="1">
+              <a:spcBef>
+                <a:spcPct val="20000"/>
+              </a:spcBef>
+              <a:buFont typeface="Arial"/>
+              <a:buChar char="•"/>
+              <a:defRPr sz="2000" kern="1200">
+                <a:solidFill>
+                  <a:schemeClr val="tx1"/>
+                </a:solidFill>
+                <a:latin typeface="+mn-lt"/>
+                <a:ea typeface="+mn-ea"/>
+                <a:cs typeface="+mn-cs"/>
+              </a:defRPr>
+            </a:lvl8pPr>
+            <a:lvl9pPr marL="3886200" indent="-228600" algn="l" defTabSz="457200" rtl="0" eaLnBrk="1" latinLnBrk="0" hangingPunct="1">
+              <a:spcBef>
+                <a:spcPct val="20000"/>
+              </a:spcBef>
+              <a:buFont typeface="Arial"/>
+              <a:buChar char="•"/>
+              <a:defRPr sz="2000" kern="1200">
+                <a:solidFill>
+                  <a:schemeClr val="tx1"/>
+                </a:solidFill>
+                <a:latin typeface="+mn-lt"/>
+                <a:ea typeface="+mn-ea"/>
+                <a:cs typeface="+mn-cs"/>
+              </a:defRPr>
+            </a:lvl9pPr>
+          </a:lstStyle>
+          <a:p>
+            <a:pPr marL="0" marR="0" lvl="0" indent="0" algn="ctr" defTabSz="914400" eaLnBrk="1" fontAlgn="auto" latinLnBrk="0" hangingPunct="1">
+              <a:lnSpc>
+                <a:spcPct val="100000"/>
+              </a:lnSpc>
+              <a:spcBef>
+                <a:spcPts val="0"/>
+              </a:spcBef>
+              <a:spcAft>
+                <a:spcPts val="0"/>
+              </a:spcAft>
+              <a:buClrTx/>
+              <a:buSzTx/>
+              <a:buFontTx/>
+              <a:buNone/>
+              <a:tabLst/>
+              <a:defRPr/>
+            </a:pPr>
+            <a:r>
+              <a:rPr lang="en-US" b="1" dirty="0" smtClean="0">
                 <a:solidFill>
                   <a:srgbClr val="26374B"/>
                 </a:solidFill>
               </a:rPr>
-              <a:t>DPLA Integration</a:t>
-            </a:r>
-          </a:p>
-          <a:p>
-            <a:r>
-              <a:rPr lang="en-US" dirty="0">
+              <a:t>In Development</a:t>
+            </a:r>
+            <a:endParaRPr lang="en-US" b="1" dirty="0">
+              <a:solidFill>
+                <a:srgbClr val="26374B"/>
+              </a:solidFill>
+            </a:endParaRPr>
+          </a:p>
+        </p:txBody>
+      </p:sp>
+      <p:sp>
+        <p:nvSpPr>
+          <p:cNvPr id="10" name="Content Placeholder 2"/>
+          <p:cNvSpPr txBox="1">
+            <a:spLocks/>
+          </p:cNvSpPr>
+          <p:nvPr/>
+        </p:nvSpPr>
+        <p:spPr>
+          <a:xfrm>
+            <a:off x="0" y="1332819"/>
+            <a:ext cx="9144000" cy="704988"/>
+          </a:xfrm>
+          <a:prstGeom prst="rect">
+            <a:avLst/>
+          </a:prstGeom>
+        </p:spPr>
+        <p:txBody>
+          <a:bodyPr vert="horz" lIns="91440" tIns="45720" rIns="91440" bIns="45720" rtlCol="0">
+            <a:normAutofit/>
+          </a:bodyPr>
+          <a:lstStyle>
+            <a:lvl1pPr marL="342900" indent="-342900" algn="l" defTabSz="457200" rtl="0" eaLnBrk="1" latinLnBrk="0" hangingPunct="1">
+              <a:spcBef>
+                <a:spcPct val="20000"/>
+              </a:spcBef>
+              <a:buFont typeface="Arial"/>
+              <a:buChar char="•"/>
+              <a:defRPr sz="3200" kern="1200">
+                <a:solidFill>
+                  <a:schemeClr val="tx1"/>
+                </a:solidFill>
+                <a:latin typeface="+mn-lt"/>
+                <a:ea typeface="+mn-ea"/>
+                <a:cs typeface="+mn-cs"/>
+              </a:defRPr>
+            </a:lvl1pPr>
+            <a:lvl2pPr marL="742950" indent="-285750" algn="l" defTabSz="457200" rtl="0" eaLnBrk="1" latinLnBrk="0" hangingPunct="1">
+              <a:spcBef>
+                <a:spcPct val="20000"/>
+              </a:spcBef>
+              <a:buFont typeface="Arial"/>
+              <a:buChar char="–"/>
+              <a:defRPr sz="2800" kern="1200">
+                <a:solidFill>
+                  <a:schemeClr val="tx1"/>
+                </a:solidFill>
+                <a:latin typeface="+mn-lt"/>
+                <a:ea typeface="+mn-ea"/>
+                <a:cs typeface="+mn-cs"/>
+              </a:defRPr>
+            </a:lvl2pPr>
+            <a:lvl3pPr marL="1143000" indent="-228600" algn="l" defTabSz="457200" rtl="0" eaLnBrk="1" latinLnBrk="0" hangingPunct="1">
+              <a:spcBef>
+                <a:spcPct val="20000"/>
+              </a:spcBef>
+              <a:buFont typeface="Arial"/>
+              <a:buChar char="•"/>
+              <a:defRPr sz="2400" kern="1200">
+                <a:solidFill>
+                  <a:schemeClr val="tx1"/>
+                </a:solidFill>
+                <a:latin typeface="+mn-lt"/>
+                <a:ea typeface="+mn-ea"/>
+                <a:cs typeface="+mn-cs"/>
+              </a:defRPr>
+            </a:lvl3pPr>
+            <a:lvl4pPr marL="1600200" indent="-228600" algn="l" defTabSz="457200" rtl="0" eaLnBrk="1" latinLnBrk="0" hangingPunct="1">
+              <a:spcBef>
+                <a:spcPct val="20000"/>
+              </a:spcBef>
+              <a:buFont typeface="Arial"/>
+              <a:buChar char="–"/>
+              <a:defRPr sz="2000" kern="1200">
+                <a:solidFill>
+                  <a:schemeClr val="tx1"/>
+                </a:solidFill>
+                <a:latin typeface="+mn-lt"/>
+                <a:ea typeface="+mn-ea"/>
+                <a:cs typeface="+mn-cs"/>
+              </a:defRPr>
+            </a:lvl4pPr>
+            <a:lvl5pPr marL="2057400" indent="-228600" algn="l" defTabSz="457200" rtl="0" eaLnBrk="1" latinLnBrk="0" hangingPunct="1">
+              <a:spcBef>
+                <a:spcPct val="20000"/>
+              </a:spcBef>
+              <a:buFont typeface="Arial"/>
+              <a:buChar char="»"/>
+              <a:defRPr sz="2000" kern="1200">
+                <a:solidFill>
+                  <a:schemeClr val="tx1"/>
+                </a:solidFill>
+                <a:latin typeface="+mn-lt"/>
+                <a:ea typeface="+mn-ea"/>
+                <a:cs typeface="+mn-cs"/>
+              </a:defRPr>
+            </a:lvl5pPr>
+            <a:lvl6pPr marL="2514600" indent="-228600" algn="l" defTabSz="457200" rtl="0" eaLnBrk="1" latinLnBrk="0" hangingPunct="1">
+              <a:spcBef>
+                <a:spcPct val="20000"/>
+              </a:spcBef>
+              <a:buFont typeface="Arial"/>
+              <a:buChar char="•"/>
+              <a:defRPr sz="2000" kern="1200">
+                <a:solidFill>
+                  <a:schemeClr val="tx1"/>
+                </a:solidFill>
+                <a:latin typeface="+mn-lt"/>
+                <a:ea typeface="+mn-ea"/>
+                <a:cs typeface="+mn-cs"/>
+              </a:defRPr>
+            </a:lvl6pPr>
+            <a:lvl7pPr marL="2971800" indent="-228600" algn="l" defTabSz="457200" rtl="0" eaLnBrk="1" latinLnBrk="0" hangingPunct="1">
+              <a:spcBef>
+                <a:spcPct val="20000"/>
+              </a:spcBef>
+              <a:buFont typeface="Arial"/>
+              <a:buChar char="•"/>
+              <a:defRPr sz="2000" kern="1200">
+                <a:solidFill>
+                  <a:schemeClr val="tx1"/>
+                </a:solidFill>
+                <a:latin typeface="+mn-lt"/>
+                <a:ea typeface="+mn-ea"/>
+                <a:cs typeface="+mn-cs"/>
+              </a:defRPr>
+            </a:lvl7pPr>
+            <a:lvl8pPr marL="3429000" indent="-228600" algn="l" defTabSz="457200" rtl="0" eaLnBrk="1" latinLnBrk="0" hangingPunct="1">
+              <a:spcBef>
+                <a:spcPct val="20000"/>
+              </a:spcBef>
+              <a:buFont typeface="Arial"/>
+              <a:buChar char="•"/>
+              <a:defRPr sz="2000" kern="1200">
+                <a:solidFill>
+                  <a:schemeClr val="tx1"/>
+                </a:solidFill>
+                <a:latin typeface="+mn-lt"/>
+                <a:ea typeface="+mn-ea"/>
+                <a:cs typeface="+mn-cs"/>
+              </a:defRPr>
+            </a:lvl8pPr>
+            <a:lvl9pPr marL="3886200" indent="-228600" algn="l" defTabSz="457200" rtl="0" eaLnBrk="1" latinLnBrk="0" hangingPunct="1">
+              <a:spcBef>
+                <a:spcPct val="20000"/>
+              </a:spcBef>
+              <a:buFont typeface="Arial"/>
+              <a:buChar char="•"/>
+              <a:defRPr sz="2000" kern="1200">
+                <a:solidFill>
+                  <a:schemeClr val="tx1"/>
+                </a:solidFill>
+                <a:latin typeface="+mn-lt"/>
+                <a:ea typeface="+mn-ea"/>
+                <a:cs typeface="+mn-cs"/>
+              </a:defRPr>
+            </a:lvl9pPr>
+          </a:lstStyle>
+          <a:p>
+            <a:pPr marL="0" marR="0" lvl="0" indent="0" algn="ctr" defTabSz="914400" eaLnBrk="1" fontAlgn="auto" latinLnBrk="0" hangingPunct="1">
+              <a:lnSpc>
+                <a:spcPct val="100000"/>
+              </a:lnSpc>
+              <a:spcBef>
+                <a:spcPts val="0"/>
+              </a:spcBef>
+              <a:spcAft>
+                <a:spcPts val="0"/>
+              </a:spcAft>
+              <a:buClrTx/>
+              <a:buSzTx/>
+              <a:buFontTx/>
+              <a:buNone/>
+              <a:tabLst/>
+              <a:defRPr/>
+            </a:pPr>
+            <a:r>
+              <a:rPr lang="en-US" b="1" smtClean="0">
                 <a:solidFill>
                   <a:srgbClr val="26374B"/>
                 </a:solidFill>
               </a:rPr>
-              <a:t>Enhanced image </a:t>
-            </a:r>
-            <a:r>
-              <a:rPr lang="en-US" dirty="0" smtClean="0">
-                <a:solidFill>
-                  <a:srgbClr val="26374B"/>
-                </a:solidFill>
-              </a:rPr>
-              <a:t>viewing (IIIF)</a:t>
-            </a:r>
-            <a:endParaRPr lang="en-US" dirty="0">
+              <a:t>Completed</a:t>
+            </a:r>
+            <a:endParaRPr lang="en-US" b="1" dirty="0">
               <a:solidFill>
                 <a:srgbClr val="26374B"/>
               </a:solidFill>
@@ -5623,6 +6980,13 @@
   <p:clrMapOvr>
     <a:masterClrMapping/>
   </p:clrMapOvr>
+  <p:timing>
+    <p:tnLst>
+      <p:par>
+        <p:cTn id="1" dur="indefinite" restart="never" nodeType="tmRoot"/>
+      </p:par>
+    </p:tnLst>
+  </p:timing>
 </p:sld>
 </file>
 

--- a/Presentations/Library All Staff 2016 09/allstaff201609.pptx
+++ b/Presentations/Library All Staff 2016 09/allstaff201609.pptx
@@ -114,12 +114,12 @@
   <p:extLst>
     <p:ext uri="{EFAFB233-063F-42B5-8137-9DF3F51BA10A}">
       <p15:sldGuideLst xmlns:p15="http://schemas.microsoft.com/office/powerpoint/2012/main">
-        <p15:guide id="1" orient="horz" pos="2160" userDrawn="1">
+        <p15:guide id="1" orient="horz" pos="528" userDrawn="1">
           <p15:clr>
             <a:srgbClr val="A4A3A4"/>
           </p15:clr>
         </p15:guide>
-        <p15:guide id="2" pos="384" userDrawn="1">
+        <p15:guide id="2" pos="2880" userDrawn="1">
           <p15:clr>
             <a:srgbClr val="A4A3A4"/>
           </p15:clr>
@@ -226,7 +226,7 @@
           <a:p>
             <a:fld id="{D9ECFEF1-2E88-E646-A99D-93EC0DB2D22C}" type="datetimeFigureOut">
               <a:rPr lang="en-US" smtClean="0"/>
-              <a:t>9/23/16</a:t>
+              <a:t>9/26/16</a:t>
             </a:fld>
             <a:endParaRPr lang="en-US"/>
           </a:p>
@@ -1684,7 +1684,7 @@
           <a:p>
             <a:fld id="{C952E0D9-C4C6-B144-92E9-4E0D31DDAA26}" type="datetimeFigureOut">
               <a:rPr lang="en-US" smtClean="0"/>
-              <a:t>9/23/16</a:t>
+              <a:t>9/26/16</a:t>
             </a:fld>
             <a:endParaRPr lang="en-US"/>
           </a:p>
@@ -1854,7 +1854,7 @@
           <a:p>
             <a:fld id="{C952E0D9-C4C6-B144-92E9-4E0D31DDAA26}" type="datetimeFigureOut">
               <a:rPr lang="en-US" smtClean="0"/>
-              <a:t>9/23/16</a:t>
+              <a:t>9/26/16</a:t>
             </a:fld>
             <a:endParaRPr lang="en-US"/>
           </a:p>
@@ -2034,7 +2034,7 @@
           <a:p>
             <a:fld id="{C952E0D9-C4C6-B144-92E9-4E0D31DDAA26}" type="datetimeFigureOut">
               <a:rPr lang="en-US" smtClean="0"/>
-              <a:t>9/23/16</a:t>
+              <a:t>9/26/16</a:t>
             </a:fld>
             <a:endParaRPr lang="en-US"/>
           </a:p>
@@ -2204,7 +2204,7 @@
           <a:p>
             <a:fld id="{C952E0D9-C4C6-B144-92E9-4E0D31DDAA26}" type="datetimeFigureOut">
               <a:rPr lang="en-US" smtClean="0"/>
-              <a:t>9/23/16</a:t>
+              <a:t>9/26/16</a:t>
             </a:fld>
             <a:endParaRPr lang="en-US"/>
           </a:p>
@@ -2450,7 +2450,7 @@
           <a:p>
             <a:fld id="{C952E0D9-C4C6-B144-92E9-4E0D31DDAA26}" type="datetimeFigureOut">
               <a:rPr lang="en-US" smtClean="0"/>
-              <a:t>9/23/16</a:t>
+              <a:t>9/26/16</a:t>
             </a:fld>
             <a:endParaRPr lang="en-US"/>
           </a:p>
@@ -2738,7 +2738,7 @@
           <a:p>
             <a:fld id="{C952E0D9-C4C6-B144-92E9-4E0D31DDAA26}" type="datetimeFigureOut">
               <a:rPr lang="en-US" smtClean="0"/>
-              <a:t>9/23/16</a:t>
+              <a:t>9/26/16</a:t>
             </a:fld>
             <a:endParaRPr lang="en-US"/>
           </a:p>
@@ -3160,7 +3160,7 @@
           <a:p>
             <a:fld id="{C952E0D9-C4C6-B144-92E9-4E0D31DDAA26}" type="datetimeFigureOut">
               <a:rPr lang="en-US" smtClean="0"/>
-              <a:t>9/23/16</a:t>
+              <a:t>9/26/16</a:t>
             </a:fld>
             <a:endParaRPr lang="en-US"/>
           </a:p>
@@ -3278,7 +3278,7 @@
           <a:p>
             <a:fld id="{C952E0D9-C4C6-B144-92E9-4E0D31DDAA26}" type="datetimeFigureOut">
               <a:rPr lang="en-US" smtClean="0"/>
-              <a:t>9/23/16</a:t>
+              <a:t>9/26/16</a:t>
             </a:fld>
             <a:endParaRPr lang="en-US"/>
           </a:p>
@@ -3373,7 +3373,7 @@
           <a:p>
             <a:fld id="{C952E0D9-C4C6-B144-92E9-4E0D31DDAA26}" type="datetimeFigureOut">
               <a:rPr lang="en-US" smtClean="0"/>
-              <a:t>9/23/16</a:t>
+              <a:t>9/26/16</a:t>
             </a:fld>
             <a:endParaRPr lang="en-US"/>
           </a:p>
@@ -3650,7 +3650,7 @@
           <a:p>
             <a:fld id="{C952E0D9-C4C6-B144-92E9-4E0D31DDAA26}" type="datetimeFigureOut">
               <a:rPr lang="en-US" smtClean="0"/>
-              <a:t>9/23/16</a:t>
+              <a:t>9/26/16</a:t>
             </a:fld>
             <a:endParaRPr lang="en-US"/>
           </a:p>
@@ -3907,7 +3907,7 @@
           <a:p>
             <a:fld id="{C952E0D9-C4C6-B144-92E9-4E0D31DDAA26}" type="datetimeFigureOut">
               <a:rPr lang="en-US" smtClean="0"/>
-              <a:t>9/23/16</a:t>
+              <a:t>9/26/16</a:t>
             </a:fld>
             <a:endParaRPr lang="en-US"/>
           </a:p>
@@ -4123,7 +4123,7 @@
           <a:p>
             <a:fld id="{C952E0D9-C4C6-B144-92E9-4E0D31DDAA26}" type="datetimeFigureOut">
               <a:rPr lang="en-US" smtClean="0"/>
-              <a:t>9/23/16</a:t>
+              <a:t>9/26/16</a:t>
             </a:fld>
             <a:endParaRPr lang="en-US"/>
           </a:p>
@@ -4680,7 +4680,7 @@
       </p:sp>
       <p:pic>
         <p:nvPicPr>
-          <p:cNvPr id="3" name="Picture 2"/>
+          <p:cNvPr id="2" name="Picture 1"/>
           <p:cNvPicPr>
             <a:picLocks noChangeAspect="1"/>
           </p:cNvPicPr>
@@ -4700,8 +4700,8 @@
         </p:blipFill>
         <p:spPr>
           <a:xfrm>
-            <a:off x="883942" y="298884"/>
-            <a:ext cx="7376117" cy="5577840"/>
+            <a:off x="0" y="308295"/>
+            <a:ext cx="9144000" cy="5464629"/>
           </a:xfrm>
           <a:prstGeom prst="rect">
             <a:avLst/>
@@ -4934,7 +4934,7 @@
       </p:sp>
       <p:pic>
         <p:nvPicPr>
-          <p:cNvPr id="7" name="Picture 6"/>
+          <p:cNvPr id="8" name="Picture 7"/>
           <p:cNvPicPr>
             <a:picLocks noChangeAspect="1"/>
           </p:cNvPicPr>
@@ -4954,8 +4954,8 @@
         </p:blipFill>
         <p:spPr>
           <a:xfrm>
-            <a:off x="883942" y="298884"/>
-            <a:ext cx="7376117" cy="5577840"/>
+            <a:off x="0" y="308295"/>
+            <a:ext cx="9144000" cy="5464629"/>
           </a:xfrm>
           <a:prstGeom prst="rect">
             <a:avLst/>
@@ -5356,8 +5356,8 @@
         </p:nvSpPr>
         <p:spPr>
           <a:xfrm>
-            <a:off x="248195" y="3440460"/>
-            <a:ext cx="4859383" cy="2240279"/>
+            <a:off x="4986556" y="4103121"/>
+            <a:ext cx="3993160" cy="2240279"/>
           </a:xfrm>
           <a:prstGeom prst="rect">
             <a:avLst/>
@@ -5540,17 +5540,15 @@
                   <a:srgbClr val="26374B"/>
                 </a:solidFill>
               </a:rPr>
-              <a:t>The Catskills Institute</a:t>
-            </a:r>
-          </a:p>
-          <a:p>
+              <a:t>Holocaust </a:t>
+            </a:r>
             <a:r>
               <a:rPr lang="en-US" sz="1700" dirty="0" smtClean="0">
                 <a:solidFill>
                   <a:srgbClr val="26374B"/>
                 </a:solidFill>
               </a:rPr>
-              <a:t>Holocaust Awareness Week Programming</a:t>
+              <a:t>Awareness Week Programming</a:t>
             </a:r>
           </a:p>
           <a:p>
@@ -5560,17 +5558,15 @@
                   <a:srgbClr val="26374B"/>
                 </a:solidFill>
               </a:rPr>
-              <a:t>Spectrum Literary Magazine</a:t>
-            </a:r>
-          </a:p>
-          <a:p>
+              <a:t>DMC </a:t>
+            </a:r>
             <a:r>
               <a:rPr lang="en-US" sz="1700" dirty="0" smtClean="0">
                 <a:solidFill>
                   <a:srgbClr val="26374B"/>
                 </a:solidFill>
               </a:rPr>
-              <a:t>DMC Studios Student Work Showcase</a:t>
+              <a:t>Studios Student Work Showcase</a:t>
             </a:r>
           </a:p>
         </p:txBody>
@@ -5585,7 +5581,7 @@
         </p:nvSpPr>
         <p:spPr>
           <a:xfrm>
-            <a:off x="261258" y="1533290"/>
+            <a:off x="440922" y="2103742"/>
             <a:ext cx="9274628" cy="1381360"/>
           </a:xfrm>
           <a:prstGeom prst="rect">
@@ -5887,21 +5883,34 @@
           </a:p>
           <a:p>
             <a:r>
+              <a:rPr lang="en-US" sz="1700" dirty="0">
+                <a:solidFill>
+                  <a:srgbClr val="26374B"/>
+                </a:solidFill>
+              </a:rPr>
+              <a:t>Spectrum Literary </a:t>
+            </a:r>
+            <a:r>
               <a:rPr lang="en-US" sz="1700" dirty="0" smtClean="0">
                 <a:solidFill>
                   <a:srgbClr val="26374B"/>
                 </a:solidFill>
               </a:rPr>
-              <a:t>Spectrum </a:t>
-            </a:r>
-            <a:r>
-              <a:rPr lang="en-US" sz="1700" dirty="0">
+              <a:t>Magazine </a:t>
+            </a:r>
+            <a:r>
+              <a:rPr lang="en-US" sz="1700" dirty="0" smtClean="0">
                 <a:solidFill>
                   <a:srgbClr val="26374B"/>
                 </a:solidFill>
               </a:rPr>
               <a:t>Archive</a:t>
             </a:r>
+            <a:endParaRPr lang="en-US" sz="1700" dirty="0">
+              <a:solidFill>
+                <a:srgbClr val="26374B"/>
+              </a:solidFill>
+            </a:endParaRPr>
           </a:p>
         </p:txBody>
       </p:sp>
@@ -5913,7 +5922,7 @@
         </p:nvSpPr>
         <p:spPr>
           <a:xfrm>
-            <a:off x="0" y="2913015"/>
+            <a:off x="33556" y="3734522"/>
             <a:ext cx="9144000" cy="369332"/>
           </a:xfrm>
           <a:prstGeom prst="rect">
@@ -5956,7 +5965,7 @@
         </p:nvSpPr>
         <p:spPr>
           <a:xfrm>
-            <a:off x="0" y="1027611"/>
+            <a:off x="62218" y="1648397"/>
             <a:ext cx="9144000" cy="369332"/>
           </a:xfrm>
           <a:prstGeom prst="rect">
@@ -5990,7 +5999,7 @@
         </p:nvSpPr>
         <p:spPr>
           <a:xfrm>
-            <a:off x="0" y="5959196"/>
+            <a:off x="0" y="937598"/>
             <a:ext cx="9144000" cy="461665"/>
           </a:xfrm>
           <a:prstGeom prst="rect">
@@ -6047,7 +6056,7 @@
         </p:nvSpPr>
         <p:spPr>
           <a:xfrm>
-            <a:off x="4807130" y="3436105"/>
+            <a:off x="409935" y="4104700"/>
             <a:ext cx="4162699" cy="2240279"/>
           </a:xfrm>
           <a:prstGeom prst="rect">
@@ -6279,6 +6288,106 @@
               </a:rPr>
               <a:t> College, 1913-1981</a:t>
             </a:r>
+          </a:p>
+        </p:txBody>
+      </p:sp>
+      <p:sp>
+        <p:nvSpPr>
+          <p:cNvPr id="3" name="Rectangle 2"/>
+          <p:cNvSpPr/>
+          <p:nvPr/>
+        </p:nvSpPr>
+        <p:spPr>
+          <a:xfrm>
+            <a:off x="307910" y="1609831"/>
+            <a:ext cx="8528180" cy="1903445"/>
+          </a:xfrm>
+          <a:prstGeom prst="rect">
+            <a:avLst/>
+          </a:prstGeom>
+          <a:noFill/>
+          <a:ln w="19050">
+            <a:solidFill>
+              <a:srgbClr val="26374B"/>
+            </a:solidFill>
+          </a:ln>
+          <a:effectLst/>
+          <a:scene3d>
+            <a:camera prst="orthographicFront"/>
+            <a:lightRig rig="threePt" dir="t"/>
+          </a:scene3d>
+          <a:sp3d prstMaterial="matte"/>
+        </p:spPr>
+        <p:style>
+          <a:lnRef idx="1">
+            <a:schemeClr val="accent1"/>
+          </a:lnRef>
+          <a:fillRef idx="3">
+            <a:schemeClr val="accent1"/>
+          </a:fillRef>
+          <a:effectRef idx="2">
+            <a:schemeClr val="accent1"/>
+          </a:effectRef>
+          <a:fontRef idx="minor">
+            <a:schemeClr val="lt1"/>
+          </a:fontRef>
+        </p:style>
+        <p:txBody>
+          <a:bodyPr rtlCol="0" anchor="ctr"/>
+          <a:lstStyle/>
+          <a:p>
+            <a:pPr algn="ctr"/>
+            <a:endParaRPr lang="en-US"/>
+          </a:p>
+        </p:txBody>
+      </p:sp>
+      <p:sp>
+        <p:nvSpPr>
+          <p:cNvPr id="12" name="Rectangle 11"/>
+          <p:cNvSpPr/>
+          <p:nvPr/>
+        </p:nvSpPr>
+        <p:spPr>
+          <a:xfrm>
+            <a:off x="307910" y="3713390"/>
+            <a:ext cx="8528180" cy="2796468"/>
+          </a:xfrm>
+          <a:prstGeom prst="rect">
+            <a:avLst/>
+          </a:prstGeom>
+          <a:noFill/>
+          <a:ln w="19050">
+            <a:solidFill>
+              <a:srgbClr val="26374B"/>
+            </a:solidFill>
+          </a:ln>
+          <a:effectLst/>
+          <a:scene3d>
+            <a:camera prst="orthographicFront"/>
+            <a:lightRig rig="threePt" dir="t"/>
+          </a:scene3d>
+          <a:sp3d prstMaterial="matte"/>
+        </p:spPr>
+        <p:style>
+          <a:lnRef idx="1">
+            <a:schemeClr val="accent1"/>
+          </a:lnRef>
+          <a:fillRef idx="3">
+            <a:schemeClr val="accent1"/>
+          </a:fillRef>
+          <a:effectRef idx="2">
+            <a:schemeClr val="accent1"/>
+          </a:effectRef>
+          <a:fontRef idx="minor">
+            <a:schemeClr val="lt1"/>
+          </a:fontRef>
+        </p:style>
+        <p:txBody>
+          <a:bodyPr rtlCol="0" anchor="ctr"/>
+          <a:lstStyle/>
+          <a:p>
+            <a:pPr algn="ctr"/>
+            <a:endParaRPr lang="en-US"/>
           </a:p>
         </p:txBody>
       </p:sp>

--- a/Presentations/Library All Staff 2016 09/allstaff201609.pptx
+++ b/Presentations/Library All Staff 2016 09/allstaff201609.pptx
@@ -114,12 +114,12 @@
   <p:extLst>
     <p:ext uri="{EFAFB233-063F-42B5-8137-9DF3F51BA10A}">
       <p15:sldGuideLst xmlns:p15="http://schemas.microsoft.com/office/powerpoint/2012/main">
-        <p15:guide id="1" orient="horz" pos="528" userDrawn="1">
+        <p15:guide id="1" orient="horz" pos="2616" userDrawn="1">
           <p15:clr>
             <a:srgbClr val="A4A3A4"/>
           </p15:clr>
         </p15:guide>
-        <p15:guide id="2" pos="2880" userDrawn="1">
+        <p15:guide id="2" pos="360" userDrawn="1">
           <p15:clr>
             <a:srgbClr val="A4A3A4"/>
           </p15:clr>
@@ -226,7 +226,7 @@
           <a:p>
             <a:fld id="{D9ECFEF1-2E88-E646-A99D-93EC0DB2D22C}" type="datetimeFigureOut">
               <a:rPr lang="en-US" smtClean="0"/>
-              <a:t>9/26/16</a:t>
+              <a:t>9/27/16</a:t>
             </a:fld>
             <a:endParaRPr lang="en-US"/>
           </a:p>
@@ -862,7 +862,55 @@
                 <a:ea typeface="+mn-ea"/>
                 <a:cs typeface="+mn-cs"/>
               </a:rPr>
-              <a:t>: A way to enable projects to store materials in the DRS and customize how people interact with those materials by creating various exhibits, like maps, timelines, and galleries.</a:t>
+              <a:t>: A way to enable projects to store materials in the DRS and customize how people interact. The example you see here</a:t>
+            </a:r>
+            <a:r>
+              <a:rPr lang="en-US" sz="1200" kern="1200" baseline="0" dirty="0" smtClean="0">
+                <a:solidFill>
+                  <a:schemeClr val="tx1"/>
+                </a:solidFill>
+                <a:effectLst/>
+                <a:latin typeface="+mn-lt"/>
+                <a:ea typeface="+mn-ea"/>
+                <a:cs typeface="+mn-cs"/>
+              </a:rPr>
+              <a:t> is the </a:t>
+            </a:r>
+            <a:r>
+              <a:rPr lang="en-US" sz="1200" kern="1200" baseline="0" dirty="0" err="1" smtClean="0">
+                <a:solidFill>
+                  <a:schemeClr val="tx1"/>
+                </a:solidFill>
+                <a:effectLst/>
+                <a:latin typeface="+mn-lt"/>
+                <a:ea typeface="+mn-ea"/>
+                <a:cs typeface="+mn-cs"/>
+              </a:rPr>
+              <a:t>Arader</a:t>
+            </a:r>
+            <a:r>
+              <a:rPr lang="en-US" sz="1200" kern="1200" baseline="0" dirty="0" smtClean="0">
+                <a:solidFill>
+                  <a:schemeClr val="tx1"/>
+                </a:solidFill>
+                <a:effectLst/>
+                <a:latin typeface="+mn-lt"/>
+                <a:ea typeface="+mn-ea"/>
+                <a:cs typeface="+mn-cs"/>
+              </a:rPr>
+              <a:t> Picturing the World gallery, displayed in the DRS on the left and the Toolkit site displaying those materials on the right. In addition to creating just a new interface, project teams can build </a:t>
+            </a:r>
+            <a:r>
+              <a:rPr lang="en-US" sz="1200" kern="1200" dirty="0" smtClean="0">
+                <a:solidFill>
+                  <a:schemeClr val="tx1"/>
+                </a:solidFill>
+                <a:effectLst/>
+                <a:latin typeface="+mn-lt"/>
+                <a:ea typeface="+mn-ea"/>
+                <a:cs typeface="+mn-cs"/>
+              </a:rPr>
+              <a:t>various exhibits, like maps, timelines, and galleries to display those materials in more interesting ways than the DRS can on its own.</a:t>
             </a:r>
           </a:p>
           <a:p>
@@ -911,7 +959,7 @@
                 <a:ea typeface="+mn-ea"/>
                 <a:cs typeface="+mn-cs"/>
               </a:rPr>
-              <a:t> tools</a:t>
+              <a:t> tools. </a:t>
             </a:r>
             <a:endParaRPr lang="en-US" dirty="0"/>
           </a:p>
@@ -998,6 +1046,29 @@
           <a:lstStyle/>
           <a:p>
             <a:r>
+              <a:rPr lang="en-US" sz="1200" b="1" kern="1200" dirty="0" smtClean="0">
+                <a:solidFill>
+                  <a:schemeClr val="tx1"/>
+                </a:solidFill>
+                <a:effectLst/>
+                <a:latin typeface="+mn-lt"/>
+                <a:ea typeface="+mn-ea"/>
+                <a:cs typeface="+mn-cs"/>
+              </a:rPr>
+              <a:t>New projects in 2016</a:t>
+            </a:r>
+            <a:endParaRPr lang="en-US" sz="1200" kern="1200" dirty="0" smtClean="0">
+              <a:solidFill>
+                <a:schemeClr val="tx1"/>
+              </a:solidFill>
+              <a:effectLst/>
+              <a:latin typeface="+mn-lt"/>
+              <a:ea typeface="+mn-ea"/>
+              <a:cs typeface="+mn-cs"/>
+            </a:endParaRPr>
+          </a:p>
+          <a:p>
+            <a:r>
               <a:rPr lang="en-US" sz="1200" kern="1200" dirty="0" smtClean="0">
                 <a:solidFill>
                   <a:schemeClr val="tx1"/>
@@ -1011,6 +1082,7 @@
             </a:r>
           </a:p>
           <a:p>
+            <a:pPr lvl="1"/>
             <a:r>
               <a:rPr lang="en-US" sz="1200" kern="1200" dirty="0" smtClean="0">
                 <a:solidFill>
@@ -1021,10 +1093,40 @@
                 <a:ea typeface="+mn-ea"/>
                 <a:cs typeface="+mn-cs"/>
               </a:rPr>
+              <a:t>Digital archive of thousands of digitized photographs. </a:t>
+            </a:r>
+          </a:p>
+          <a:p>
+            <a:pPr lvl="1"/>
+            <a:r>
+              <a:rPr lang="en-US" sz="1200" kern="1200" dirty="0" smtClean="0">
+                <a:solidFill>
+                  <a:schemeClr val="tx1"/>
+                </a:solidFill>
+                <a:effectLst/>
+                <a:latin typeface="+mn-lt"/>
+                <a:ea typeface="+mn-ea"/>
+                <a:cs typeface="+mn-cs"/>
+              </a:rPr>
+              <a:t>Interested in crowdsourcing information</a:t>
+            </a:r>
+          </a:p>
+          <a:p>
+            <a:r>
+              <a:rPr lang="en-US" sz="1200" kern="1200" dirty="0" smtClean="0">
+                <a:solidFill>
+                  <a:schemeClr val="tx1"/>
+                </a:solidFill>
+                <a:effectLst/>
+                <a:latin typeface="+mn-lt"/>
+                <a:ea typeface="+mn-ea"/>
+                <a:cs typeface="+mn-cs"/>
+              </a:rPr>
               <a:t>Dragon Prayer Book</a:t>
             </a:r>
           </a:p>
           <a:p>
+            <a:pPr lvl="1"/>
             <a:r>
               <a:rPr lang="en-US" sz="1200" kern="1200" dirty="0" smtClean="0">
                 <a:solidFill>
@@ -1035,10 +1137,76 @@
                 <a:ea typeface="+mn-ea"/>
                 <a:cs typeface="+mn-cs"/>
               </a:rPr>
+              <a:t>Erika </a:t>
+            </a:r>
+            <a:r>
+              <a:rPr lang="en-US" sz="1200" kern="1200" dirty="0" err="1" smtClean="0">
+                <a:solidFill>
+                  <a:schemeClr val="tx1"/>
+                </a:solidFill>
+                <a:effectLst/>
+                <a:latin typeface="+mn-lt"/>
+                <a:ea typeface="+mn-ea"/>
+                <a:cs typeface="+mn-cs"/>
+              </a:rPr>
+              <a:t>Boeckeler</a:t>
+            </a:r>
+            <a:r>
+              <a:rPr lang="en-US" sz="1200" kern="1200" dirty="0" smtClean="0">
+                <a:solidFill>
+                  <a:schemeClr val="tx1"/>
+                </a:solidFill>
+                <a:effectLst/>
+                <a:latin typeface="+mn-lt"/>
+                <a:ea typeface="+mn-ea"/>
+                <a:cs typeface="+mn-cs"/>
+              </a:rPr>
+              <a:t>, Department of English</a:t>
+            </a:r>
+          </a:p>
+          <a:p>
+            <a:pPr lvl="1"/>
+            <a:r>
+              <a:rPr lang="en-US" sz="1200" kern="1200" dirty="0" smtClean="0">
+                <a:solidFill>
+                  <a:schemeClr val="tx1"/>
+                </a:solidFill>
+                <a:effectLst/>
+                <a:latin typeface="+mn-lt"/>
+                <a:ea typeface="+mn-ea"/>
+                <a:cs typeface="+mn-cs"/>
+              </a:rPr>
+              <a:t>Provide research access to the manuscript</a:t>
+            </a:r>
+          </a:p>
+          <a:p>
+            <a:r>
+              <a:rPr lang="en-US" sz="1200" kern="1200" dirty="0" smtClean="0">
+                <a:solidFill>
+                  <a:schemeClr val="tx1"/>
+                </a:solidFill>
+                <a:effectLst/>
+                <a:latin typeface="+mn-lt"/>
+                <a:ea typeface="+mn-ea"/>
+                <a:cs typeface="+mn-cs"/>
+              </a:rPr>
               <a:t>Civil Rights and Restorative Justice Project</a:t>
             </a:r>
           </a:p>
           <a:p>
+            <a:pPr lvl="1"/>
+            <a:r>
+              <a:rPr lang="en-US" sz="1200" kern="1200" dirty="0" err="1" smtClean="0">
+                <a:solidFill>
+                  <a:schemeClr val="tx1"/>
+                </a:solidFill>
+                <a:effectLst/>
+                <a:latin typeface="+mn-lt"/>
+                <a:ea typeface="+mn-ea"/>
+                <a:cs typeface="+mn-cs"/>
+              </a:rPr>
+              <a:t>NULawLab</a:t>
+            </a:r>
             <a:r>
               <a:rPr lang="en-US" sz="1200" kern="1200" dirty="0" smtClean="0">
                 <a:solidFill>
@@ -1049,10 +1217,40 @@
                 <a:ea typeface="+mn-ea"/>
                 <a:cs typeface="+mn-cs"/>
               </a:rPr>
+              <a:t>, School of Law</a:t>
+            </a:r>
+          </a:p>
+          <a:p>
+            <a:pPr lvl="1"/>
+            <a:r>
+              <a:rPr lang="en-US" sz="1200" kern="1200" dirty="0" smtClean="0">
+                <a:solidFill>
+                  <a:schemeClr val="tx1"/>
+                </a:solidFill>
+                <a:effectLst/>
+                <a:latin typeface="+mn-lt"/>
+                <a:ea typeface="+mn-ea"/>
+                <a:cs typeface="+mn-cs"/>
+              </a:rPr>
+              <a:t>Wants to build an archive to help store and preserve materials collected during restorative justice investigations</a:t>
+            </a:r>
+          </a:p>
+          <a:p>
+            <a:r>
+              <a:rPr lang="en-US" sz="1200" kern="1200" dirty="0" smtClean="0">
+                <a:solidFill>
+                  <a:schemeClr val="tx1"/>
+                </a:solidFill>
+                <a:effectLst/>
+                <a:latin typeface="+mn-lt"/>
+                <a:ea typeface="+mn-ea"/>
+                <a:cs typeface="+mn-cs"/>
+              </a:rPr>
               <a:t>Early Black Boston Digital Almanac</a:t>
             </a:r>
           </a:p>
           <a:p>
+            <a:pPr lvl="1"/>
             <a:r>
               <a:rPr lang="en-US" sz="1200" kern="1200" dirty="0" smtClean="0">
                 <a:solidFill>
@@ -1063,10 +1261,64 @@
                 <a:ea typeface="+mn-ea"/>
                 <a:cs typeface="+mn-cs"/>
               </a:rPr>
+              <a:t>Nicole </a:t>
+            </a:r>
+            <a:r>
+              <a:rPr lang="en-US" sz="1200" kern="1200" dirty="0" err="1" smtClean="0">
+                <a:solidFill>
+                  <a:schemeClr val="tx1"/>
+                </a:solidFill>
+                <a:effectLst/>
+                <a:latin typeface="+mn-lt"/>
+                <a:ea typeface="+mn-ea"/>
+                <a:cs typeface="+mn-cs"/>
+              </a:rPr>
+              <a:t>Aljoe</a:t>
+            </a:r>
+            <a:r>
+              <a:rPr lang="en-US" sz="1200" kern="1200" dirty="0" smtClean="0">
+                <a:solidFill>
+                  <a:schemeClr val="tx1"/>
+                </a:solidFill>
+                <a:effectLst/>
+                <a:latin typeface="+mn-lt"/>
+                <a:ea typeface="+mn-ea"/>
+                <a:cs typeface="+mn-cs"/>
+              </a:rPr>
+              <a:t>, Department of English</a:t>
+            </a:r>
+          </a:p>
+          <a:p>
+            <a:pPr lvl="1"/>
+            <a:r>
+              <a:rPr lang="en-US" sz="1200" kern="1200" dirty="0" smtClean="0">
+                <a:solidFill>
+                  <a:schemeClr val="tx1"/>
+                </a:solidFill>
+                <a:effectLst/>
+                <a:latin typeface="+mn-lt"/>
+                <a:ea typeface="+mn-ea"/>
+                <a:cs typeface="+mn-cs"/>
+              </a:rPr>
+              <a:t>Wants to students enrolled in her Writing Black Boston class to build an archive of Early African American life in Boston and New England using existing digital materials from the DRS and the DPLA</a:t>
+            </a:r>
+          </a:p>
+          <a:p>
+            <a:r>
+              <a:rPr lang="en-US" sz="1200" kern="1200" dirty="0" smtClean="0">
+                <a:solidFill>
+                  <a:schemeClr val="tx1"/>
+                </a:solidFill>
+                <a:effectLst/>
+                <a:latin typeface="+mn-lt"/>
+                <a:ea typeface="+mn-ea"/>
+                <a:cs typeface="+mn-cs"/>
+              </a:rPr>
               <a:t>Early Caribbean Digital Archive</a:t>
             </a:r>
           </a:p>
           <a:p>
+            <a:pPr lvl="1"/>
             <a:r>
               <a:rPr lang="en-US" sz="1200" kern="1200" dirty="0" smtClean="0">
                 <a:solidFill>
@@ -1077,10 +1329,25 @@
                 <a:ea typeface="+mn-ea"/>
                 <a:cs typeface="+mn-cs"/>
               </a:rPr>
+              <a:t>Continue building their archive of digitized pre-twentieth century print materials in a more sustainable system architecture that what they've used in the past</a:t>
+            </a:r>
+          </a:p>
+          <a:p>
+            <a:r>
+              <a:rPr lang="en-US" sz="1200" kern="1200" dirty="0" smtClean="0">
+                <a:solidFill>
+                  <a:schemeClr val="tx1"/>
+                </a:solidFill>
+                <a:effectLst/>
+                <a:latin typeface="+mn-lt"/>
+                <a:ea typeface="+mn-ea"/>
+                <a:cs typeface="+mn-cs"/>
+              </a:rPr>
               <a:t>Henry David Thoreau Journal Drawings</a:t>
             </a:r>
           </a:p>
           <a:p>
+            <a:pPr lvl="1"/>
             <a:r>
               <a:rPr lang="en-US" sz="1200" kern="1200" dirty="0" smtClean="0">
                 <a:solidFill>
@@ -1091,7 +1358,66 @@
                 <a:ea typeface="+mn-ea"/>
                 <a:cs typeface="+mn-cs"/>
               </a:rPr>
-              <a:t>Spectrum Archive</a:t>
+              <a:t>Kathleen Kelley, Department of English</a:t>
+            </a:r>
+          </a:p>
+          <a:p>
+            <a:pPr lvl="1"/>
+            <a:r>
+              <a:rPr lang="en-US" sz="1200" kern="1200" dirty="0" smtClean="0">
+                <a:solidFill>
+                  <a:schemeClr val="tx1"/>
+                </a:solidFill>
+                <a:effectLst/>
+                <a:latin typeface="+mn-lt"/>
+                <a:ea typeface="+mn-ea"/>
+                <a:cs typeface="+mn-cs"/>
+              </a:rPr>
+              <a:t>Wants to create an archive of drawings from Thoreau's journals</a:t>
+            </a:r>
+          </a:p>
+          <a:p>
+            <a:r>
+              <a:rPr lang="en-US" sz="1200" kern="1200" dirty="0" smtClean="0">
+                <a:solidFill>
+                  <a:schemeClr val="tx1"/>
+                </a:solidFill>
+                <a:effectLst/>
+                <a:latin typeface="+mn-lt"/>
+                <a:ea typeface="+mn-ea"/>
+                <a:cs typeface="+mn-cs"/>
+              </a:rPr>
+              <a:t>Spectrum Literary Magazine Archive</a:t>
+            </a:r>
+          </a:p>
+          <a:p>
+            <a:pPr lvl="1"/>
+            <a:r>
+              <a:rPr lang="en-US" sz="1200" kern="1200" dirty="0" smtClean="0">
+                <a:solidFill>
+                  <a:schemeClr val="tx1"/>
+                </a:solidFill>
+                <a:effectLst/>
+                <a:latin typeface="+mn-lt"/>
+                <a:ea typeface="+mn-ea"/>
+                <a:cs typeface="+mn-cs"/>
+              </a:rPr>
+              <a:t>Spectrum Editor</a:t>
+            </a:r>
+          </a:p>
+          <a:p>
+            <a:pPr lvl="1"/>
+            <a:r>
+              <a:rPr lang="en-US" sz="1200" kern="1200" dirty="0" smtClean="0">
+                <a:solidFill>
+                  <a:schemeClr val="tx1"/>
+                </a:solidFill>
+                <a:effectLst/>
+                <a:latin typeface="+mn-lt"/>
+                <a:ea typeface="+mn-ea"/>
+                <a:cs typeface="+mn-cs"/>
+              </a:rPr>
+              <a:t>Interested in building a sustainable archive of Spectrum issues, as well as an archive of the individual works contained within each issue</a:t>
             </a:r>
           </a:p>
           <a:p>
@@ -1139,7 +1465,7 @@
                 <a:ea typeface="+mn-ea"/>
                 <a:cs typeface="+mn-cs"/>
               </a:rPr>
-              <a:t>2015</a:t>
+              <a:t>Previous projects</a:t>
             </a:r>
             <a:r>
               <a:rPr lang="en-US" sz="1200" kern="1200" dirty="0" smtClean="0">
@@ -1151,7 +1477,7 @@
                 <a:ea typeface="+mn-ea"/>
                 <a:cs typeface="+mn-cs"/>
               </a:rPr>
-              <a:t> - you'll notice Catskills is listed twice because it is live, but we're adding new exhibits and pages every semester </a:t>
+              <a:t>: 4 out of the 6 have been launched. </a:t>
             </a:r>
           </a:p>
           <a:p>
@@ -1211,7 +1537,7 @@
                 <a:ea typeface="+mn-ea"/>
                 <a:cs typeface="+mn-cs"/>
               </a:rPr>
-              <a:t>: These are only the projects generated by the call for proposals. There are also 5 additional sites, primarily archives sites, which we issued because they didn't require any additional technical development to produce.</a:t>
+              <a:t>: These are only the projects generated by the call for proposals. There are also 5 additional sites, primarily archives sites, which we issued because they didn't require any additional technical development to produce. </a:t>
             </a:r>
           </a:p>
           <a:p>
@@ -1227,6 +1553,31 @@
           </a:p>
           <a:p>
             <a:r>
+              <a:rPr lang="en-US" sz="1200" kern="1200" dirty="0" smtClean="0">
+                <a:solidFill>
+                  <a:schemeClr val="tx1"/>
+                </a:solidFill>
+                <a:effectLst/>
+                <a:latin typeface="+mn-lt"/>
+                <a:ea typeface="+mn-ea"/>
+                <a:cs typeface="+mn-cs"/>
+              </a:rPr>
+              <a:t>-------------</a:t>
+            </a:r>
+          </a:p>
+          <a:p>
+            <a:endParaRPr lang="en-US" sz="1200" kern="1200" dirty="0" smtClean="0">
+              <a:solidFill>
+                <a:schemeClr val="tx1"/>
+              </a:solidFill>
+              <a:effectLst/>
+              <a:latin typeface="+mn-lt"/>
+              <a:ea typeface="+mn-ea"/>
+              <a:cs typeface="+mn-cs"/>
+            </a:endParaRPr>
+          </a:p>
+          <a:p>
+            <a:r>
               <a:rPr lang="en-US" sz="1200" b="1" kern="1200" dirty="0" smtClean="0">
                 <a:solidFill>
                   <a:schemeClr val="tx1"/>
@@ -1236,10 +1587,8 @@
                 <a:ea typeface="+mn-ea"/>
                 <a:cs typeface="+mn-cs"/>
               </a:rPr>
-              <a:t>Responsibility: </a:t>
-            </a:r>
-          </a:p>
-          <a:p>
+              <a:t>The Work</a:t>
+            </a:r>
             <a:r>
               <a:rPr lang="en-US" sz="1200" kern="1200" dirty="0" smtClean="0">
                 <a:solidFill>
@@ -1250,6 +1599,66 @@
                 <a:ea typeface="+mn-ea"/>
                 <a:cs typeface="+mn-cs"/>
               </a:rPr>
+              <a:t/>
+            </a:r>
+            <a:br>
+              <a:rPr lang="en-US" sz="1200" kern="1200" dirty="0" smtClean="0">
+                <a:solidFill>
+                  <a:schemeClr val="tx1"/>
+                </a:solidFill>
+                <a:effectLst/>
+                <a:latin typeface="+mn-lt"/>
+                <a:ea typeface="+mn-ea"/>
+                <a:cs typeface="+mn-cs"/>
+              </a:rPr>
+            </a:br>
+            <a:endParaRPr lang="en-US" sz="1200" kern="1200" dirty="0" smtClean="0">
+              <a:solidFill>
+                <a:schemeClr val="tx1"/>
+              </a:solidFill>
+              <a:effectLst/>
+              <a:latin typeface="+mn-lt"/>
+              <a:ea typeface="+mn-ea"/>
+              <a:cs typeface="+mn-cs"/>
+            </a:endParaRPr>
+          </a:p>
+          <a:p>
+            <a:r>
+              <a:rPr lang="en-US" sz="1200" b="1" kern="1200" dirty="0" smtClean="0">
+                <a:solidFill>
+                  <a:schemeClr val="tx1"/>
+                </a:solidFill>
+                <a:effectLst/>
+                <a:latin typeface="+mn-lt"/>
+                <a:ea typeface="+mn-ea"/>
+                <a:cs typeface="+mn-cs"/>
+              </a:rPr>
+              <a:t>Responsibility</a:t>
+            </a:r>
+            <a:r>
+              <a:rPr lang="en-US" sz="1200" kern="1200" dirty="0" smtClean="0">
+                <a:solidFill>
+                  <a:schemeClr val="tx1"/>
+                </a:solidFill>
+                <a:effectLst/>
+                <a:latin typeface="+mn-lt"/>
+                <a:ea typeface="+mn-ea"/>
+                <a:cs typeface="+mn-cs"/>
+              </a:rPr>
+              <a:t>: </a:t>
+            </a:r>
+          </a:p>
+          <a:p>
+            <a:r>
+              <a:rPr lang="en-US" sz="1200" kern="1200" dirty="0" smtClean="0">
+                <a:solidFill>
+                  <a:schemeClr val="tx1"/>
+                </a:solidFill>
+                <a:effectLst/>
+                <a:latin typeface="+mn-lt"/>
+                <a:ea typeface="+mn-ea"/>
+                <a:cs typeface="+mn-cs"/>
+              </a:rPr>
               <a:t>Primarily responsible for customizing the site: the project team who submitted the request</a:t>
             </a:r>
           </a:p>
@@ -1357,21 +1766,15 @@
             </a:r>
           </a:p>
           <a:p>
-            <a:r>
-              <a:rPr lang="en-US" sz="1200" kern="1200" dirty="0" smtClean="0">
-                <a:solidFill>
-                  <a:schemeClr val="tx1"/>
-                </a:solidFill>
-                <a:effectLst/>
-                <a:latin typeface="+mn-lt"/>
-                <a:ea typeface="+mn-ea"/>
-                <a:cs typeface="+mn-cs"/>
-              </a:rPr>
-              <a:t> </a:t>
-            </a:r>
-          </a:p>
-          <a:p>
-            <a:endParaRPr lang="en-US" dirty="0"/>
+            <a:endParaRPr lang="en-US" sz="1200" kern="1200" dirty="0">
+              <a:solidFill>
+                <a:schemeClr val="tx1"/>
+              </a:solidFill>
+              <a:effectLst/>
+              <a:latin typeface="+mn-lt"/>
+              <a:ea typeface="+mn-ea"/>
+              <a:cs typeface="+mn-cs"/>
+            </a:endParaRPr>
           </a:p>
         </p:txBody>
       </p:sp>
@@ -1461,7 +1864,7 @@
             </a:r>
             <a:r>
               <a:rPr lang="en-US" baseline="0" dirty="0" smtClean="0"/>
-              <a:t> additions to the toolkit</a:t>
+              <a:t> additions to the Toolkit in 2016</a:t>
             </a:r>
             <a:endParaRPr lang="en-US" dirty="0"/>
           </a:p>
@@ -1684,7 +2087,7 @@
           <a:p>
             <a:fld id="{C952E0D9-C4C6-B144-92E9-4E0D31DDAA26}" type="datetimeFigureOut">
               <a:rPr lang="en-US" smtClean="0"/>
-              <a:t>9/26/16</a:t>
+              <a:t>9/27/16</a:t>
             </a:fld>
             <a:endParaRPr lang="en-US"/>
           </a:p>
@@ -1854,7 +2257,7 @@
           <a:p>
             <a:fld id="{C952E0D9-C4C6-B144-92E9-4E0D31DDAA26}" type="datetimeFigureOut">
               <a:rPr lang="en-US" smtClean="0"/>
-              <a:t>9/26/16</a:t>
+              <a:t>9/27/16</a:t>
             </a:fld>
             <a:endParaRPr lang="en-US"/>
           </a:p>
@@ -2034,7 +2437,7 @@
           <a:p>
             <a:fld id="{C952E0D9-C4C6-B144-92E9-4E0D31DDAA26}" type="datetimeFigureOut">
               <a:rPr lang="en-US" smtClean="0"/>
-              <a:t>9/26/16</a:t>
+              <a:t>9/27/16</a:t>
             </a:fld>
             <a:endParaRPr lang="en-US"/>
           </a:p>
@@ -2204,7 +2607,7 @@
           <a:p>
             <a:fld id="{C952E0D9-C4C6-B144-92E9-4E0D31DDAA26}" type="datetimeFigureOut">
               <a:rPr lang="en-US" smtClean="0"/>
-              <a:t>9/26/16</a:t>
+              <a:t>9/27/16</a:t>
             </a:fld>
             <a:endParaRPr lang="en-US"/>
           </a:p>
@@ -2450,7 +2853,7 @@
           <a:p>
             <a:fld id="{C952E0D9-C4C6-B144-92E9-4E0D31DDAA26}" type="datetimeFigureOut">
               <a:rPr lang="en-US" smtClean="0"/>
-              <a:t>9/26/16</a:t>
+              <a:t>9/27/16</a:t>
             </a:fld>
             <a:endParaRPr lang="en-US"/>
           </a:p>
@@ -2738,7 +3141,7 @@
           <a:p>
             <a:fld id="{C952E0D9-C4C6-B144-92E9-4E0D31DDAA26}" type="datetimeFigureOut">
               <a:rPr lang="en-US" smtClean="0"/>
-              <a:t>9/26/16</a:t>
+              <a:t>9/27/16</a:t>
             </a:fld>
             <a:endParaRPr lang="en-US"/>
           </a:p>
@@ -3160,7 +3563,7 @@
           <a:p>
             <a:fld id="{C952E0D9-C4C6-B144-92E9-4E0D31DDAA26}" type="datetimeFigureOut">
               <a:rPr lang="en-US" smtClean="0"/>
-              <a:t>9/26/16</a:t>
+              <a:t>9/27/16</a:t>
             </a:fld>
             <a:endParaRPr lang="en-US"/>
           </a:p>
@@ -3278,7 +3681,7 @@
           <a:p>
             <a:fld id="{C952E0D9-C4C6-B144-92E9-4E0D31DDAA26}" type="datetimeFigureOut">
               <a:rPr lang="en-US" smtClean="0"/>
-              <a:t>9/26/16</a:t>
+              <a:t>9/27/16</a:t>
             </a:fld>
             <a:endParaRPr lang="en-US"/>
           </a:p>
@@ -3373,7 +3776,7 @@
           <a:p>
             <a:fld id="{C952E0D9-C4C6-B144-92E9-4E0D31DDAA26}" type="datetimeFigureOut">
               <a:rPr lang="en-US" smtClean="0"/>
-              <a:t>9/26/16</a:t>
+              <a:t>9/27/16</a:t>
             </a:fld>
             <a:endParaRPr lang="en-US"/>
           </a:p>
@@ -3650,7 +4053,7 @@
           <a:p>
             <a:fld id="{C952E0D9-C4C6-B144-92E9-4E0D31DDAA26}" type="datetimeFigureOut">
               <a:rPr lang="en-US" smtClean="0"/>
-              <a:t>9/26/16</a:t>
+              <a:t>9/27/16</a:t>
             </a:fld>
             <a:endParaRPr lang="en-US"/>
           </a:p>
@@ -3907,7 +4310,7 @@
           <a:p>
             <a:fld id="{C952E0D9-C4C6-B144-92E9-4E0D31DDAA26}" type="datetimeFigureOut">
               <a:rPr lang="en-US" smtClean="0"/>
-              <a:t>9/26/16</a:t>
+              <a:t>9/27/16</a:t>
             </a:fld>
             <a:endParaRPr lang="en-US"/>
           </a:p>
@@ -4123,7 +4526,7 @@
           <a:p>
             <a:fld id="{C952E0D9-C4C6-B144-92E9-4E0D31DDAA26}" type="datetimeFigureOut">
               <a:rPr lang="en-US" smtClean="0"/>
-              <a:t>9/26/16</a:t>
+              <a:t>9/27/16</a:t>
             </a:fld>
             <a:endParaRPr lang="en-US"/>
           </a:p>
@@ -5336,7 +5739,7 @@
                   <a:srgbClr val="26374B"/>
                 </a:solidFill>
               </a:rPr>
-              <a:t>Projects</a:t>
+              <a:t>Toolkit Projects</a:t>
             </a:r>
             <a:endParaRPr lang="en-US" dirty="0">
               <a:solidFill>
@@ -5356,7 +5759,7 @@
         </p:nvSpPr>
         <p:spPr>
           <a:xfrm>
-            <a:off x="4986556" y="4103121"/>
+            <a:off x="444053" y="4053959"/>
             <a:ext cx="3993160" cy="2240279"/>
           </a:xfrm>
           <a:prstGeom prst="rect">
@@ -5540,33 +5943,17 @@
                   <a:srgbClr val="26374B"/>
                 </a:solidFill>
               </a:rPr>
-              <a:t>Holocaust </a:t>
-            </a:r>
+              <a:t>Holocaust Awareness Week Programming</a:t>
+            </a:r>
+          </a:p>
+          <a:p>
             <a:r>
               <a:rPr lang="en-US" sz="1700" dirty="0" smtClean="0">
                 <a:solidFill>
                   <a:srgbClr val="26374B"/>
                 </a:solidFill>
               </a:rPr>
-              <a:t>Awareness Week Programming</a:t>
-            </a:r>
-          </a:p>
-          <a:p>
-            <a:r>
-              <a:rPr lang="en-US" sz="1700" dirty="0" smtClean="0">
-                <a:solidFill>
-                  <a:srgbClr val="26374B"/>
-                </a:solidFill>
-              </a:rPr>
-              <a:t>DMC </a:t>
-            </a:r>
-            <a:r>
-              <a:rPr lang="en-US" sz="1700" dirty="0" smtClean="0">
-                <a:solidFill>
-                  <a:srgbClr val="26374B"/>
-                </a:solidFill>
-              </a:rPr>
-              <a:t>Studios Student Work Showcase</a:t>
+              <a:t>DMC Studios Student Work Showcase</a:t>
             </a:r>
           </a:p>
         </p:txBody>
@@ -5896,15 +6283,7 @@
                   <a:srgbClr val="26374B"/>
                 </a:solidFill>
               </a:rPr>
-              <a:t>Magazine </a:t>
-            </a:r>
-            <a:r>
-              <a:rPr lang="en-US" sz="1700" dirty="0" smtClean="0">
-                <a:solidFill>
-                  <a:srgbClr val="26374B"/>
-                </a:solidFill>
-              </a:rPr>
-              <a:t>Archive</a:t>
+              <a:t>Magazine Archive</a:t>
             </a:r>
             <a:endParaRPr lang="en-US" sz="1700" dirty="0">
               <a:solidFill>
@@ -6056,8 +6435,8 @@
         </p:nvSpPr>
         <p:spPr>
           <a:xfrm>
-            <a:off x="409935" y="4104700"/>
-            <a:ext cx="4162699" cy="2240279"/>
+            <a:off x="4981302" y="4045704"/>
+            <a:ext cx="3956222" cy="2240279"/>
           </a:xfrm>
           <a:prstGeom prst="rect">
             <a:avLst/>
